--- a/IR GROUP 27.pptx
+++ b/IR GROUP 27.pptx
@@ -16,12 +16,12 @@
     <p:sldId id="256" r:id="rId7"/>
     <p:sldId id="303" r:id="rId8"/>
     <p:sldId id="307" r:id="rId9"/>
-    <p:sldId id="309" r:id="rId10"/>
-    <p:sldId id="310" r:id="rId11"/>
-    <p:sldId id="311" r:id="rId12"/>
-    <p:sldId id="312" r:id="rId13"/>
-    <p:sldId id="306" r:id="rId14"/>
-    <p:sldId id="313" r:id="rId15"/>
+    <p:sldId id="314" r:id="rId10"/>
+    <p:sldId id="317" r:id="rId11"/>
+    <p:sldId id="312" r:id="rId12"/>
+    <p:sldId id="315" r:id="rId13"/>
+    <p:sldId id="316" r:id="rId14"/>
+    <p:sldId id="311" r:id="rId15"/>
     <p:sldId id="293" r:id="rId16"/>
   </p:sldIdLst>
   <p:sldSz cx="9144000" cy="5143500" type="screen16x9"/>
@@ -129,12 +129,12 @@
             <p14:sldId id="256"/>
             <p14:sldId id="303"/>
             <p14:sldId id="307"/>
-            <p14:sldId id="309"/>
-            <p14:sldId id="310"/>
+            <p14:sldId id="314"/>
+            <p14:sldId id="317"/>
+            <p14:sldId id="312"/>
+            <p14:sldId id="315"/>
+            <p14:sldId id="316"/>
             <p14:sldId id="311"/>
-            <p14:sldId id="312"/>
-            <p14:sldId id="306"/>
-            <p14:sldId id="313"/>
             <p14:sldId id="293"/>
           </p14:sldIdLst>
         </p14:section>
@@ -3787,7 +3787,7 @@
           <a:p>
             <a:fld id="{F6D066F8-4FE9-4315-A56E-3EA256F5907F}" type="datetimeFigureOut">
               <a:rPr lang="en-GB" smtClean="0"/>
-              <a:t>25/03/2025</a:t>
+              <a:t>13/04/2025</a:t>
             </a:fld>
             <a:endParaRPr lang="en-GB"/>
           </a:p>
@@ -3964,7 +3964,7 @@
           <a:p>
             <a:fld id="{A4AD6F77-CFCE-A445-8E2C-54D16F9EECCC}" type="datetimeFigureOut">
               <a:rPr lang="en-US" smtClean="0"/>
-              <a:t>3/25/2025</a:t>
+              <a:t>4/13/2025</a:t>
             </a:fld>
             <a:endParaRPr lang="en-US"/>
           </a:p>
@@ -4425,45 +4425,6 @@
             <a:r>
               <a:rPr lang="en-US" dirty="0"/>
               <a:t>Insert sub-heading / date</a:t>
-            </a:r>
-          </a:p>
-        </p:txBody>
-      </p:sp>
-      <p:sp>
-        <p:nvSpPr>
-          <p:cNvPr id="2" name="TextBox 1">
-            <a:extLst>
-              <a:ext uri="{FF2B5EF4-FFF2-40B4-BE49-F238E27FC236}">
-                <a16:creationId xmlns:a16="http://schemas.microsoft.com/office/drawing/2014/main" id="{12A91E5F-6B29-CAC9-3362-02095C2E6556}"/>
-              </a:ext>
-            </a:extLst>
-          </p:cNvPr>
-          <p:cNvSpPr txBox="1"/>
-          <p:nvPr userDrawn="1"/>
-        </p:nvSpPr>
-        <p:spPr>
-          <a:xfrm>
-            <a:off x="7447085" y="4195679"/>
-            <a:ext cx="1547446" cy="646331"/>
-          </a:xfrm>
-          <a:prstGeom prst="rect">
-            <a:avLst/>
-          </a:prstGeom>
-          <a:noFill/>
-        </p:spPr>
-        <p:txBody>
-          <a:bodyPr wrap="square" rtlCol="0">
-            <a:spAutoFit/>
-          </a:bodyPr>
-          <a:lstStyle/>
-          <a:p>
-            <a:r>
-              <a:rPr lang="en-GB" sz="3600" dirty="0">
-                <a:solidFill>
-                  <a:srgbClr val="FF0000"/>
-                </a:solidFill>
-              </a:rPr>
-              <a:t>DRAFT</a:t>
             </a:r>
           </a:p>
         </p:txBody>
@@ -17778,7 +17739,23 @@
           <a:p>
             <a:r>
               <a:rPr lang="en-GB" dirty="0"/>
-              <a:t>Karen Kiernan, Li…., Bob….</a:t>
+              <a:t>Karen Kiernan, </a:t>
+            </a:r>
+            <a:r>
+              <a:rPr lang="en-GB" dirty="0" err="1"/>
+              <a:t>Dingkai</a:t>
+            </a:r>
+            <a:r>
+              <a:rPr lang="en-GB" dirty="0"/>
+              <a:t> Guo, </a:t>
+            </a:r>
+            <a:r>
+              <a:rPr lang="en-GB" dirty="0" err="1"/>
+              <a:t>Mengyu</a:t>
+            </a:r>
+            <a:r>
+              <a:rPr lang="en-GB" dirty="0"/>
+              <a:t> Li</a:t>
             </a:r>
           </a:p>
           <a:p>
@@ -17787,45 +17764,6 @@
               <a:t>8 minute presentation</a:t>
             </a:r>
             <a:endParaRPr lang="en-US" dirty="0"/>
-          </a:p>
-        </p:txBody>
-      </p:sp>
-      <p:sp>
-        <p:nvSpPr>
-          <p:cNvPr id="2" name="TextBox 1">
-            <a:extLst>
-              <a:ext uri="{FF2B5EF4-FFF2-40B4-BE49-F238E27FC236}">
-                <a16:creationId xmlns:a16="http://schemas.microsoft.com/office/drawing/2014/main" id="{7848E21D-4E33-BC03-00E5-09C3AFF538D3}"/>
-              </a:ext>
-            </a:extLst>
-          </p:cNvPr>
-          <p:cNvSpPr txBox="1"/>
-          <p:nvPr/>
-        </p:nvSpPr>
-        <p:spPr>
-          <a:xfrm>
-            <a:off x="8491285" y="113724"/>
-            <a:ext cx="479618" cy="461665"/>
-          </a:xfrm>
-          <a:prstGeom prst="rect">
-            <a:avLst/>
-          </a:prstGeom>
-          <a:noFill/>
-        </p:spPr>
-        <p:txBody>
-          <a:bodyPr wrap="none" rtlCol="0">
-            <a:spAutoFit/>
-          </a:bodyPr>
-          <a:lstStyle/>
-          <a:p>
-            <a:r>
-              <a:rPr lang="en-GB" sz="2400" b="1" dirty="0">
-                <a:solidFill>
-                  <a:srgbClr val="FF0000"/>
-                </a:solidFill>
-              </a:rPr>
-              <a:t>kk</a:t>
-            </a:r>
           </a:p>
         </p:txBody>
       </p:sp>
@@ -18020,7 +17958,7 @@
         </p:nvSpPr>
         <p:spPr>
           <a:xfrm>
-            <a:off x="186596" y="780584"/>
+            <a:off x="186596" y="778441"/>
             <a:ext cx="8672097" cy="3575826"/>
           </a:xfrm>
         </p:spPr>
@@ -18032,7 +17970,7 @@
               <a:buNone/>
             </a:pPr>
             <a:r>
-              <a:rPr lang="en-GB" b="1" dirty="0">
+              <a:rPr lang="en-GB" sz="1200" b="1" dirty="0">
                 <a:sym typeface="Calibri"/>
               </a:rPr>
               <a:t>What we did</a:t>
@@ -18040,30 +17978,106 @@
           </a:p>
           <a:p>
             <a:r>
-              <a:rPr lang="en-GB" dirty="0">
+              <a:rPr lang="en-GB" sz="1200" dirty="0">
                 <a:sym typeface="Calibri"/>
               </a:rPr>
-              <a:t>Labelled articles with a 1-5 relevance score using an LLM</a:t>
-            </a:r>
-          </a:p>
-          <a:p>
-            <a:r>
-              <a:rPr lang="en-GB" dirty="0">
+              <a:t>Labelled sample of 3k records from Reuters21578 dataset with a 1-5 relevance score using ChatGPT</a:t>
+            </a:r>
+          </a:p>
+          <a:p>
+            <a:r>
+              <a:rPr lang="en-GB" sz="1200" dirty="0">
                 <a:sym typeface="Calibri"/>
               </a:rPr>
-              <a:t>Ran a variety of sample searches to compare impact on relative performance </a:t>
-            </a:r>
-          </a:p>
-          <a:p>
-            <a:r>
-              <a:rPr lang="en-GB" dirty="0">
+              <a:t>Compared BM25 vs BM25F ranking performance to ChatGPT gold standard for 10 queries</a:t>
+            </a:r>
+          </a:p>
+          <a:p>
+            <a:pPr marL="0" indent="0">
+              <a:buNone/>
+            </a:pPr>
+            <a:r>
+              <a:rPr lang="en-GB" sz="1200" b="1" dirty="0">
                 <a:sym typeface="Calibri"/>
               </a:rPr>
-              <a:t>Compared BM25 vs BM25F ranking performance on Reuters 21578 dataset</a:t>
-            </a:r>
-          </a:p>
-          <a:p>
-            <a:endParaRPr lang="en-GB" b="1" dirty="0">
+              <a:t>Tools used</a:t>
+            </a:r>
+          </a:p>
+          <a:p>
+            <a:r>
+              <a:rPr lang="en-GB" sz="1200" dirty="0">
+                <a:sym typeface="Calibri"/>
+              </a:rPr>
+              <a:t>NLTK to preprocess (remove </a:t>
+            </a:r>
+            <a:r>
+              <a:rPr lang="en-GB" sz="1200" dirty="0" err="1">
+                <a:sym typeface="Calibri"/>
+              </a:rPr>
+              <a:t>stopwords</a:t>
+            </a:r>
+            <a:r>
+              <a:rPr lang="en-GB" sz="1200" dirty="0">
+                <a:sym typeface="Calibri"/>
+              </a:rPr>
+              <a:t>, tokenise, lowercase)</a:t>
+            </a:r>
+          </a:p>
+          <a:p>
+            <a:r>
+              <a:rPr lang="en-GB" sz="1200" dirty="0" err="1">
+                <a:sym typeface="Calibri"/>
+              </a:rPr>
+              <a:t>Pyterrier</a:t>
+            </a:r>
+            <a:r>
+              <a:rPr lang="en-GB" sz="1200" dirty="0">
+                <a:sym typeface="Calibri"/>
+              </a:rPr>
+              <a:t> for creating indexer and batch retrieval</a:t>
+            </a:r>
+          </a:p>
+          <a:p>
+            <a:pPr marL="0" indent="0">
+              <a:buNone/>
+            </a:pPr>
+            <a:r>
+              <a:rPr lang="en-GB" sz="1200" b="1" dirty="0"/>
+              <a:t>Results</a:t>
+            </a:r>
+          </a:p>
+          <a:p>
+            <a:r>
+              <a:rPr lang="en-GB" sz="1200" dirty="0"/>
+              <a:t>BM25F outperformed BM25 in relatively few cases</a:t>
+            </a:r>
+          </a:p>
+          <a:p>
+            <a:r>
+              <a:rPr lang="en-GB" sz="1200" dirty="0"/>
+              <a:t>LLM relevance labelling efficient method to repurpose text classification datasets to IR</a:t>
+            </a:r>
+          </a:p>
+          <a:p>
+            <a:pPr marL="0" indent="0">
+              <a:buNone/>
+            </a:pPr>
+            <a:r>
+              <a:rPr lang="en-GB" sz="1200" b="1" dirty="0"/>
+              <a:t>Further work</a:t>
+            </a:r>
+          </a:p>
+          <a:p>
+            <a:r>
+              <a:rPr lang="en-GB" sz="1200" dirty="0"/>
+              <a:t>Experiment with word embeddings / query reformulations to track language drift in historic datasets (e.g. can ‘US president’ query return Reuters articles from 1987 featuring Donald Trump?)</a:t>
+            </a:r>
+          </a:p>
+          <a:p>
+            <a:endParaRPr lang="en-GB" sz="1200" dirty="0"/>
+          </a:p>
+          <a:p>
+            <a:endParaRPr lang="en-GB" sz="1200" b="1" dirty="0">
               <a:solidFill>
                 <a:schemeClr val="bg1">
                   <a:lumMod val="10000"/>
@@ -18075,113 +18089,13 @@
             </a:endParaRPr>
           </a:p>
           <a:p>
-            <a:pPr marL="0" indent="0">
-              <a:buNone/>
-            </a:pPr>
-            <a:r>
-              <a:rPr lang="en-GB" b="1" dirty="0">
-                <a:sym typeface="Calibri"/>
-              </a:rPr>
-              <a:t>What we learned</a:t>
-            </a:r>
-          </a:p>
-          <a:p>
-            <a:r>
-              <a:rPr lang="en-GB" dirty="0">
-                <a:sym typeface="Calibri"/>
-              </a:rPr>
-              <a:t>LLM useful for labelling, BM25 generally better than BM25F(?),</a:t>
-            </a:r>
-          </a:p>
-          <a:p>
-            <a:r>
-              <a:rPr lang="en-GB" dirty="0">
-                <a:sym typeface="Calibri"/>
-              </a:rPr>
-              <a:t>(BM25F better with higher scoring relevance where more likely in title?)</a:t>
-            </a:r>
-          </a:p>
-          <a:p>
-            <a:r>
-              <a:rPr lang="en-GB" b="1" dirty="0">
-                <a:solidFill>
-                  <a:schemeClr val="bg1">
-                    <a:lumMod val="10000"/>
-                  </a:schemeClr>
-                </a:solidFill>
-                <a:latin typeface="Arial" panose="020B0604020202020204" pitchFamily="34" charset="0"/>
-                <a:cs typeface="Arial" panose="020B0604020202020204" pitchFamily="34" charset="0"/>
-                <a:sym typeface="Calibri"/>
-              </a:rPr>
-              <a:t>….?</a:t>
-            </a:r>
-          </a:p>
-          <a:p>
-            <a:pPr marL="0" indent="0">
-              <a:buNone/>
-            </a:pPr>
-            <a:r>
-              <a:rPr lang="en-GB" b="1" dirty="0">
-                <a:sym typeface="Calibri"/>
-              </a:rPr>
-              <a:t>What we would do next</a:t>
-            </a:r>
-          </a:p>
-          <a:p>
-            <a:r>
-              <a:rPr lang="en-GB" dirty="0">
-                <a:sym typeface="Calibri"/>
-              </a:rPr>
-              <a:t>(??? Introduce BM25/BM25F with query reformulation?)</a:t>
-            </a:r>
-          </a:p>
-          <a:p>
-            <a:endParaRPr lang="en-GB" dirty="0">
+            <a:endParaRPr lang="en-GB" sz="1200" dirty="0">
               <a:latin typeface="Arial" panose="020B0604020202020204" pitchFamily="34" charset="0"/>
               <a:cs typeface="Arial" panose="020B0604020202020204" pitchFamily="34" charset="0"/>
             </a:endParaRPr>
           </a:p>
           <a:p>
-            <a:endParaRPr lang="en-GB" dirty="0"/>
-          </a:p>
-        </p:txBody>
-      </p:sp>
-      <p:sp>
-        <p:nvSpPr>
-          <p:cNvPr id="4" name="TextBox 3">
-            <a:extLst>
-              <a:ext uri="{FF2B5EF4-FFF2-40B4-BE49-F238E27FC236}">
-                <a16:creationId xmlns:a16="http://schemas.microsoft.com/office/drawing/2014/main" id="{688A6D24-630F-8A0C-CFFA-3902D30A1C02}"/>
-              </a:ext>
-            </a:extLst>
-          </p:cNvPr>
-          <p:cNvSpPr txBox="1"/>
-          <p:nvPr/>
-        </p:nvSpPr>
-        <p:spPr>
-          <a:xfrm>
-            <a:off x="8491285" y="113724"/>
-            <a:ext cx="479618" cy="461665"/>
-          </a:xfrm>
-          <a:prstGeom prst="rect">
-            <a:avLst/>
-          </a:prstGeom>
-          <a:noFill/>
-        </p:spPr>
-        <p:txBody>
-          <a:bodyPr wrap="none" rtlCol="0">
-            <a:spAutoFit/>
-          </a:bodyPr>
-          <a:lstStyle/>
-          <a:p>
-            <a:r>
-              <a:rPr lang="en-GB" sz="2400" b="1" dirty="0">
-                <a:solidFill>
-                  <a:srgbClr val="FF0000"/>
-                </a:solidFill>
-              </a:rPr>
-              <a:t>kk</a:t>
-            </a:r>
+            <a:endParaRPr lang="en-GB" sz="1200" dirty="0"/>
           </a:p>
         </p:txBody>
       </p:sp>
@@ -18292,75 +18206,149 @@
           </a:p>
         </p:txBody>
       </p:sp>
-      <p:pic>
-        <p:nvPicPr>
-          <p:cNvPr id="7" name="Picture 6">
+      <p:grpSp>
+        <p:nvGrpSpPr>
+          <p:cNvPr id="5" name="Group 4">
             <a:extLst>
               <a:ext uri="{FF2B5EF4-FFF2-40B4-BE49-F238E27FC236}">
-                <a16:creationId xmlns:a16="http://schemas.microsoft.com/office/drawing/2014/main" id="{ED61CADB-BF26-E12A-1ACB-19B1C489BA6B}"/>
+                <a16:creationId xmlns:a16="http://schemas.microsoft.com/office/drawing/2014/main" id="{E878615B-8B4D-6554-E13C-159B7FC0877F}"/>
               </a:ext>
             </a:extLst>
           </p:cNvPr>
-          <p:cNvPicPr>
-            <a:picLocks noChangeAspect="1"/>
-          </p:cNvPicPr>
+          <p:cNvGrpSpPr/>
           <p:nvPr/>
-        </p:nvPicPr>
-        <p:blipFill>
-          <a:blip r:embed="rId2"/>
-          <a:stretch>
-            <a:fillRect/>
-          </a:stretch>
-        </p:blipFill>
-        <p:spPr>
+        </p:nvGrpSpPr>
+        <p:grpSpPr>
           <a:xfrm>
             <a:off x="186596" y="696517"/>
             <a:ext cx="8430322" cy="3750465"/>
+            <a:chOff x="186596" y="696517"/>
+            <a:chExt cx="8430322" cy="3750465"/>
           </a:xfrm>
-          <a:prstGeom prst="rect">
-            <a:avLst/>
-          </a:prstGeom>
-        </p:spPr>
-      </p:pic>
-      <p:sp>
-        <p:nvSpPr>
-          <p:cNvPr id="8" name="TextBox 7">
-            <a:extLst>
-              <a:ext uri="{FF2B5EF4-FFF2-40B4-BE49-F238E27FC236}">
-                <a16:creationId xmlns:a16="http://schemas.microsoft.com/office/drawing/2014/main" id="{784EE3AA-6E42-61D1-9EC0-073F45E0C2F3}"/>
-              </a:ext>
-            </a:extLst>
-          </p:cNvPr>
-          <p:cNvSpPr txBox="1"/>
-          <p:nvPr/>
-        </p:nvSpPr>
-        <p:spPr>
-          <a:xfrm>
-            <a:off x="8491285" y="113724"/>
-            <a:ext cx="479618" cy="461665"/>
-          </a:xfrm>
-          <a:prstGeom prst="rect">
-            <a:avLst/>
-          </a:prstGeom>
-          <a:noFill/>
-        </p:spPr>
-        <p:txBody>
-          <a:bodyPr wrap="none" rtlCol="0">
-            <a:spAutoFit/>
-          </a:bodyPr>
-          <a:lstStyle/>
-          <a:p>
-            <a:r>
-              <a:rPr lang="en-GB" sz="2400" b="1" dirty="0">
-                <a:solidFill>
-                  <a:srgbClr val="FF0000"/>
-                </a:solidFill>
-              </a:rPr>
-              <a:t>kk</a:t>
-            </a:r>
-          </a:p>
-        </p:txBody>
-      </p:sp>
+        </p:grpSpPr>
+        <p:pic>
+          <p:nvPicPr>
+            <p:cNvPr id="7" name="Picture 6">
+              <a:extLst>
+                <a:ext uri="{FF2B5EF4-FFF2-40B4-BE49-F238E27FC236}">
+                  <a16:creationId xmlns:a16="http://schemas.microsoft.com/office/drawing/2014/main" id="{ED61CADB-BF26-E12A-1ACB-19B1C489BA6B}"/>
+                </a:ext>
+              </a:extLst>
+            </p:cNvPr>
+            <p:cNvPicPr>
+              <a:picLocks noChangeAspect="1"/>
+            </p:cNvPicPr>
+            <p:nvPr/>
+          </p:nvPicPr>
+          <p:blipFill>
+            <a:blip r:embed="rId2"/>
+            <a:stretch>
+              <a:fillRect/>
+            </a:stretch>
+          </p:blipFill>
+          <p:spPr>
+            <a:xfrm>
+              <a:off x="186596" y="696517"/>
+              <a:ext cx="8430322" cy="3750465"/>
+            </a:xfrm>
+            <a:prstGeom prst="rect">
+              <a:avLst/>
+            </a:prstGeom>
+          </p:spPr>
+        </p:pic>
+        <p:sp>
+          <p:nvSpPr>
+            <p:cNvPr id="3" name="TextBox 2">
+              <a:extLst>
+                <a:ext uri="{FF2B5EF4-FFF2-40B4-BE49-F238E27FC236}">
+                  <a16:creationId xmlns:a16="http://schemas.microsoft.com/office/drawing/2014/main" id="{35F35B00-42AE-2059-8B10-B89899C472C2}"/>
+                </a:ext>
+              </a:extLst>
+            </p:cNvPr>
+            <p:cNvSpPr txBox="1"/>
+            <p:nvPr/>
+          </p:nvSpPr>
+          <p:spPr>
+            <a:xfrm>
+              <a:off x="6758940" y="1158812"/>
+              <a:ext cx="479618" cy="415498"/>
+            </a:xfrm>
+            <a:prstGeom prst="rect">
+              <a:avLst/>
+            </a:prstGeom>
+            <a:solidFill>
+              <a:schemeClr val="bg1"/>
+            </a:solidFill>
+          </p:spPr>
+          <p:txBody>
+            <a:bodyPr wrap="square" rtlCol="0">
+              <a:spAutoFit/>
+            </a:bodyPr>
+            <a:lstStyle/>
+            <a:p>
+              <a:r>
+                <a:rPr lang="en-US" sz="700" b="1" dirty="0"/>
+                <a:t>Metric: </a:t>
+              </a:r>
+              <a:r>
+                <a:rPr lang="en-US" sz="700" b="1" dirty="0" err="1"/>
+                <a:t>nDCG</a:t>
+              </a:r>
+              <a:r>
+                <a:rPr lang="en-US" sz="700" b="1" dirty="0"/>
+                <a:t> @ k</a:t>
+              </a:r>
+              <a:endParaRPr lang="en-GB" sz="700" b="1" dirty="0"/>
+            </a:p>
+          </p:txBody>
+        </p:sp>
+        <p:sp>
+          <p:nvSpPr>
+            <p:cNvPr id="4" name="TextBox 3">
+              <a:extLst>
+                <a:ext uri="{FF2B5EF4-FFF2-40B4-BE49-F238E27FC236}">
+                  <a16:creationId xmlns:a16="http://schemas.microsoft.com/office/drawing/2014/main" id="{EB00939E-C710-11C1-BD99-199B1C28F483}"/>
+                </a:ext>
+              </a:extLst>
+            </p:cNvPr>
+            <p:cNvSpPr txBox="1"/>
+            <p:nvPr/>
+          </p:nvSpPr>
+          <p:spPr>
+            <a:xfrm>
+              <a:off x="6758940" y="2571749"/>
+              <a:ext cx="479618" cy="415498"/>
+            </a:xfrm>
+            <a:prstGeom prst="rect">
+              <a:avLst/>
+            </a:prstGeom>
+            <a:solidFill>
+              <a:schemeClr val="bg1"/>
+            </a:solidFill>
+          </p:spPr>
+          <p:txBody>
+            <a:bodyPr wrap="square" rtlCol="0">
+              <a:spAutoFit/>
+            </a:bodyPr>
+            <a:lstStyle/>
+            <a:p>
+              <a:r>
+                <a:rPr lang="en-US" sz="700" b="1" dirty="0"/>
+                <a:t>Metric: </a:t>
+              </a:r>
+              <a:r>
+                <a:rPr lang="en-US" sz="700" b="1" dirty="0" err="1"/>
+                <a:t>nDCG</a:t>
+              </a:r>
+              <a:r>
+                <a:rPr lang="en-US" sz="700" b="1" dirty="0"/>
+                <a:t> @ k</a:t>
+              </a:r>
+              <a:endParaRPr lang="en-GB" sz="700" b="1" dirty="0"/>
+            </a:p>
+          </p:txBody>
+        </p:sp>
+      </p:grpSp>
     </p:spTree>
     <p:extLst>
       <p:ext uri="{BB962C8B-B14F-4D97-AF65-F5344CB8AC3E}">
@@ -18396,7 +18384,7 @@
           <p:cNvPr id="2" name="Content Placeholder 1">
             <a:extLst>
               <a:ext uri="{FF2B5EF4-FFF2-40B4-BE49-F238E27FC236}">
-                <a16:creationId xmlns:a16="http://schemas.microsoft.com/office/drawing/2014/main" id="{B378E443-28F0-4258-A5D5-6883EE7753B0}"/>
+                <a16:creationId xmlns:a16="http://schemas.microsoft.com/office/drawing/2014/main" id="{3A644715-2C8F-8708-4DBC-BFB53C14228C}"/>
               </a:ext>
             </a:extLst>
           </p:cNvPr>
@@ -18404,13 +18392,53 @@
             <a:spLocks noGrp="1"/>
           </p:cNvSpPr>
           <p:nvPr>
-            <p:ph type="title" idx="4294967295"/>
+            <p:ph sz="quarter" idx="10"/>
           </p:nvPr>
         </p:nvSpPr>
-        <p:spPr>
+        <p:spPr/>
+        <p:txBody>
+          <a:bodyPr/>
+          <a:lstStyle/>
+          <a:p>
+            <a:r>
+              <a:rPr lang="en-US" dirty="0"/>
+              <a:t>Indexing and retrieval</a:t>
+            </a:r>
+            <a:endParaRPr lang="en-GB" dirty="0"/>
+          </a:p>
+        </p:txBody>
+      </p:sp>
+      <p:pic>
+        <p:nvPicPr>
+          <p:cNvPr id="5" name="图片 1">
+            <a:extLst>
+              <a:ext uri="{FF2B5EF4-FFF2-40B4-BE49-F238E27FC236}">
+                <a16:creationId xmlns:a16="http://schemas.microsoft.com/office/drawing/2014/main" id="{0A575B91-3010-C572-D0C5-2E423073E184}"/>
+              </a:ext>
+            </a:extLst>
+          </p:cNvPr>
+          <p:cNvPicPr>
+            <a:picLocks noChangeAspect="1"/>
+          </p:cNvPicPr>
+          <p:nvPr/>
+        </p:nvPicPr>
+        <p:blipFill>
+          <a:blip r:embed="rId2">
+            <a:extLst>
+              <a:ext uri="{28A0092B-C50C-407E-A947-70E740481C1C}">
+                <a14:useLocalDpi xmlns:a14="http://schemas.microsoft.com/office/drawing/2010/main" val="0"/>
+              </a:ext>
+            </a:extLst>
+          </a:blip>
+          <a:srcRect/>
+          <a:stretch>
+            <a:fillRect/>
+          </a:stretch>
+        </p:blipFill>
+        <p:spPr bwMode="auto">
           <a:xfrm>
-            <a:off x="186596" y="262396"/>
-            <a:ext cx="8672097" cy="1036377"/>
+            <a:off x="1302525" y="705646"/>
+            <a:ext cx="5471744" cy="3650158"/>
           </a:xfrm>
           <a:prstGeom prst="rect">
             <a:avLst/>
@@ -18418,163 +18446,13 @@
           <a:noFill/>
           <a:ln>
             <a:noFill/>
-            <a:prstDash/>
           </a:ln>
-          <a:effectLst/>
         </p:spPr>
-        <p:txBody>
-          <a:bodyPr rot="0" spcFirstLastPara="0" vertOverflow="overflow" horzOverflow="overflow" vert="horz" wrap="square" lIns="91440" tIns="45720" rIns="91440" bIns="45720" numCol="1" spcCol="0" rtlCol="0" fromWordArt="0" anchor="t" anchorCtr="0" forceAA="0" compatLnSpc="1">
-            <a:prstTxWarp prst="textNoShape">
-              <a:avLst/>
-            </a:prstTxWarp>
-            <a:noAutofit/>
-          </a:bodyPr>
-          <a:lstStyle/>
-          <a:p>
-            <a:pPr marL="0" marR="0" lvl="0" indent="0" algn="l" defTabSz="914400" rtl="0" eaLnBrk="1" fontAlgn="auto" latinLnBrk="0" hangingPunct="1">
-              <a:lnSpc>
-                <a:spcPct val="90000"/>
-              </a:lnSpc>
-              <a:spcBef>
-                <a:spcPts val="1000"/>
-              </a:spcBef>
-              <a:spcAft>
-                <a:spcPts val="0"/>
-              </a:spcAft>
-              <a:buClrTx/>
-              <a:buSzTx/>
-              <a:buFont typeface="Arial" panose="020B0604020202020204" pitchFamily="34" charset="0"/>
-              <a:buNone/>
-              <a:tabLst/>
-              <a:defRPr/>
-            </a:pPr>
-            <a:r>
-              <a:rPr lang="en-GB" sz="2500" b="1" dirty="0">
-                <a:solidFill>
-                  <a:srgbClr val="1C3D74"/>
-                </a:solidFill>
-                <a:latin typeface="Arial" panose="020B0604020202020204" pitchFamily="34" charset="0"/>
-                <a:ea typeface="+mn-ea"/>
-                <a:cs typeface="Arial" panose="020B0604020202020204" pitchFamily="34" charset="0"/>
-              </a:rPr>
-              <a:t>Indexing method</a:t>
-            </a:r>
-            <a:endParaRPr kumimoji="0" lang="en-GB" sz="2500" b="1" i="0" u="none" strike="noStrike" kern="1200" cap="none" spc="0" normalizeH="0" baseline="0" noProof="0" dirty="0">
-              <a:ln>
-                <a:noFill/>
-              </a:ln>
-              <a:solidFill>
-                <a:srgbClr val="1C3D74"/>
-              </a:solidFill>
-              <a:effectLst/>
-              <a:uLnTx/>
-              <a:uFillTx/>
-              <a:latin typeface="Arial" panose="020B0604020202020204" pitchFamily="34" charset="0"/>
-              <a:ea typeface="+mn-ea"/>
-              <a:cs typeface="Arial" panose="020B0604020202020204" pitchFamily="34" charset="0"/>
-            </a:endParaRPr>
-          </a:p>
-        </p:txBody>
-      </p:sp>
-      <p:sp>
-        <p:nvSpPr>
-          <p:cNvPr id="5" name="Text Placeholder 4">
-            <a:extLst>
-              <a:ext uri="{FF2B5EF4-FFF2-40B4-BE49-F238E27FC236}">
-                <a16:creationId xmlns:a16="http://schemas.microsoft.com/office/drawing/2014/main" id="{CA4E1434-A360-9366-BE4F-A3BD41B352E1}"/>
-              </a:ext>
-            </a:extLst>
-          </p:cNvPr>
-          <p:cNvSpPr>
-            <a:spLocks noGrp="1"/>
-          </p:cNvSpPr>
-          <p:nvPr>
-            <p:ph type="body" sz="quarter" idx="13"/>
-          </p:nvPr>
-        </p:nvSpPr>
-        <p:spPr/>
-        <p:txBody>
-          <a:bodyPr/>
-          <a:lstStyle/>
-          <a:p>
-            <a:pPr marL="0" indent="0">
-              <a:buNone/>
-            </a:pPr>
-            <a:r>
-              <a:rPr lang="en-GB" b="1" dirty="0"/>
-              <a:t>In the presentation, the following should be made clear:</a:t>
-            </a:r>
-          </a:p>
-          <a:p>
-            <a:pPr lvl="1"/>
-            <a:r>
-              <a:rPr lang="en-GB" dirty="0">
-                <a:solidFill>
-                  <a:srgbClr val="FF0000"/>
-                </a:solidFill>
-              </a:rPr>
-              <a:t>the indexing method you have used, and show some sample data</a:t>
-            </a:r>
-          </a:p>
-          <a:p>
-            <a:pPr lvl="1"/>
-            <a:r>
-              <a:rPr lang="en-GB" dirty="0"/>
-              <a:t>the retrieval method you have used, and be able to explain the ranking you obtain</a:t>
-            </a:r>
-          </a:p>
-          <a:p>
-            <a:pPr lvl="1"/>
-            <a:r>
-              <a:rPr lang="en-GB" dirty="0"/>
-              <a:t>show how everything works on the documents collection which has been provided.</a:t>
-            </a:r>
-          </a:p>
-        </p:txBody>
-      </p:sp>
-      <p:sp>
-        <p:nvSpPr>
-          <p:cNvPr id="6" name="TextBox 5">
-            <a:extLst>
-              <a:ext uri="{FF2B5EF4-FFF2-40B4-BE49-F238E27FC236}">
-                <a16:creationId xmlns:a16="http://schemas.microsoft.com/office/drawing/2014/main" id="{C9F4609E-404E-7489-9FF1-039B59744328}"/>
-              </a:ext>
-            </a:extLst>
-          </p:cNvPr>
-          <p:cNvSpPr txBox="1"/>
-          <p:nvPr/>
-        </p:nvSpPr>
-        <p:spPr>
-          <a:xfrm>
-            <a:off x="8276455" y="32357"/>
-            <a:ext cx="867545" cy="461665"/>
-          </a:xfrm>
-          <a:prstGeom prst="rect">
-            <a:avLst/>
-          </a:prstGeom>
-          <a:noFill/>
-        </p:spPr>
-        <p:txBody>
-          <a:bodyPr wrap="none" rtlCol="0">
-            <a:spAutoFit/>
-          </a:bodyPr>
-          <a:lstStyle/>
-          <a:p>
-            <a:r>
-              <a:rPr lang="en-GB" sz="2400" b="1" dirty="0">
-                <a:solidFill>
-                  <a:srgbClr val="FF0000"/>
-                </a:solidFill>
-              </a:rPr>
-              <a:t>Bob </a:t>
-            </a:r>
-          </a:p>
-        </p:txBody>
-      </p:sp>
+      </p:pic>
     </p:spTree>
     <p:extLst>
       <p:ext uri="{BB962C8B-B14F-4D97-AF65-F5344CB8AC3E}">
-        <p14:creationId xmlns:p14="http://schemas.microsoft.com/office/powerpoint/2010/main" val="1515221852"/>
+        <p14:creationId xmlns:p14="http://schemas.microsoft.com/office/powerpoint/2010/main" val="2554475223"/>
       </p:ext>
     </p:extLst>
   </p:cSld>
@@ -18606,7 +18484,7 @@
           <p:cNvPr id="2" name="Content Placeholder 1">
             <a:extLst>
               <a:ext uri="{FF2B5EF4-FFF2-40B4-BE49-F238E27FC236}">
-                <a16:creationId xmlns:a16="http://schemas.microsoft.com/office/drawing/2014/main" id="{B378E443-28F0-4258-A5D5-6883EE7753B0}"/>
+                <a16:creationId xmlns:a16="http://schemas.microsoft.com/office/drawing/2014/main" id="{F935BC44-F355-0CCB-CE16-654C1D2F81E1}"/>
               </a:ext>
             </a:extLst>
           </p:cNvPr>
@@ -18614,187 +18492,32 @@
             <a:spLocks noGrp="1"/>
           </p:cNvSpPr>
           <p:nvPr>
-            <p:ph type="title" idx="4294967295"/>
+            <p:ph sz="quarter" idx="10"/>
           </p:nvPr>
         </p:nvSpPr>
         <p:spPr>
           <a:xfrm>
-            <a:off x="186596" y="262396"/>
+            <a:off x="186596" y="1652284"/>
             <a:ext cx="8672097" cy="1036377"/>
           </a:xfrm>
-          <a:prstGeom prst="rect">
-            <a:avLst/>
-          </a:prstGeom>
-          <a:noFill/>
-          <a:ln>
-            <a:noFill/>
-            <a:prstDash/>
-          </a:ln>
-          <a:effectLst/>
         </p:spPr>
-        <p:txBody>
-          <a:bodyPr rot="0" spcFirstLastPara="0" vertOverflow="overflow" horzOverflow="overflow" vert="horz" wrap="square" lIns="91440" tIns="45720" rIns="91440" bIns="45720" numCol="1" spcCol="0" rtlCol="0" fromWordArt="0" anchor="t" anchorCtr="0" forceAA="0" compatLnSpc="1">
-            <a:prstTxWarp prst="textNoShape">
-              <a:avLst/>
-            </a:prstTxWarp>
-            <a:noAutofit/>
-          </a:bodyPr>
-          <a:lstStyle/>
-          <a:p>
-            <a:pPr marL="0" marR="0" lvl="0" indent="0" algn="l" defTabSz="914400" rtl="0" eaLnBrk="1" fontAlgn="auto" latinLnBrk="0" hangingPunct="1">
-              <a:lnSpc>
-                <a:spcPct val="90000"/>
-              </a:lnSpc>
-              <a:spcBef>
-                <a:spcPts val="1000"/>
-              </a:spcBef>
-              <a:spcAft>
-                <a:spcPts val="0"/>
-              </a:spcAft>
-              <a:buClrTx/>
-              <a:buSzTx/>
-              <a:buFont typeface="Arial" panose="020B0604020202020204" pitchFamily="34" charset="0"/>
-              <a:buNone/>
-              <a:tabLst/>
-              <a:defRPr/>
-            </a:pPr>
-            <a:r>
-              <a:rPr lang="en-GB" sz="2500" b="1" dirty="0">
-                <a:solidFill>
-                  <a:srgbClr val="1C3D74"/>
-                </a:solidFill>
-                <a:latin typeface="Arial" panose="020B0604020202020204" pitchFamily="34" charset="0"/>
-                <a:ea typeface="+mn-ea"/>
-                <a:cs typeface="Arial" panose="020B0604020202020204" pitchFamily="34" charset="0"/>
-              </a:rPr>
-              <a:t>Retrieval method</a:t>
-            </a:r>
-            <a:endParaRPr kumimoji="0" lang="en-GB" sz="2500" b="1" i="0" u="none" strike="noStrike" kern="1200" cap="none" spc="0" normalizeH="0" baseline="0" noProof="0" dirty="0">
-              <a:ln>
-                <a:noFill/>
-              </a:ln>
-              <a:solidFill>
-                <a:srgbClr val="1C3D74"/>
-              </a:solidFill>
-              <a:effectLst/>
-              <a:uLnTx/>
-              <a:uFillTx/>
-              <a:latin typeface="Arial" panose="020B0604020202020204" pitchFamily="34" charset="0"/>
-              <a:ea typeface="+mn-ea"/>
-              <a:cs typeface="Arial" panose="020B0604020202020204" pitchFamily="34" charset="0"/>
-            </a:endParaRPr>
-          </a:p>
-        </p:txBody>
-      </p:sp>
-      <p:sp>
-        <p:nvSpPr>
-          <p:cNvPr id="5" name="Text Placeholder 4">
-            <a:extLst>
-              <a:ext uri="{FF2B5EF4-FFF2-40B4-BE49-F238E27FC236}">
-                <a16:creationId xmlns:a16="http://schemas.microsoft.com/office/drawing/2014/main" id="{CA4E1434-A360-9366-BE4F-A3BD41B352E1}"/>
-              </a:ext>
-            </a:extLst>
-          </p:cNvPr>
-          <p:cNvSpPr>
-            <a:spLocks noGrp="1"/>
-          </p:cNvSpPr>
-          <p:nvPr>
-            <p:ph type="body" sz="quarter" idx="13"/>
-          </p:nvPr>
-        </p:nvSpPr>
-        <p:spPr/>
         <p:txBody>
           <a:bodyPr/>
           <a:lstStyle/>
           <a:p>
-            <a:pPr marL="0" indent="0">
-              <a:buNone/>
-            </a:pPr>
-            <a:r>
-              <a:rPr lang="en-GB" b="1" dirty="0"/>
-              <a:t>In the presentation, the following should be made clear:</a:t>
-            </a:r>
-          </a:p>
-          <a:p>
-            <a:pPr lvl="1"/>
-            <a:r>
-              <a:rPr lang="en-GB" dirty="0">
-                <a:solidFill>
-                  <a:schemeClr val="tx1"/>
-                </a:solidFill>
-              </a:rPr>
-              <a:t>the indexing method you have used, and show some sample data</a:t>
-            </a:r>
-          </a:p>
-          <a:p>
-            <a:pPr lvl="1"/>
-            <a:r>
-              <a:rPr lang="en-GB" dirty="0">
-                <a:solidFill>
-                  <a:srgbClr val="FF0000"/>
-                </a:solidFill>
-              </a:rPr>
-              <a:t>the retrieval method you have used, and be able to explain the ranking you obtain</a:t>
-            </a:r>
-          </a:p>
-          <a:p>
-            <a:pPr lvl="1"/>
-            <a:r>
-              <a:rPr lang="en-GB" dirty="0"/>
-              <a:t>show how everything works on the documents collection which has been provided.</a:t>
-            </a:r>
-          </a:p>
-          <a:p>
-            <a:pPr marL="0" indent="0">
-              <a:buNone/>
-            </a:pPr>
-            <a:endParaRPr lang="en-GB" b="1" dirty="0"/>
-          </a:p>
-        </p:txBody>
-      </p:sp>
-      <p:sp>
-        <p:nvSpPr>
-          <p:cNvPr id="3" name="TextBox 2">
-            <a:extLst>
-              <a:ext uri="{FF2B5EF4-FFF2-40B4-BE49-F238E27FC236}">
-                <a16:creationId xmlns:a16="http://schemas.microsoft.com/office/drawing/2014/main" id="{381DBFBF-C226-A431-A763-9E471D052AEE}"/>
-              </a:ext>
-            </a:extLst>
-          </p:cNvPr>
-          <p:cNvSpPr txBox="1"/>
-          <p:nvPr/>
-        </p:nvSpPr>
-        <p:spPr>
-          <a:xfrm>
-            <a:off x="8491285" y="113148"/>
-            <a:ext cx="457176" cy="461665"/>
-          </a:xfrm>
-          <a:prstGeom prst="rect">
-            <a:avLst/>
-          </a:prstGeom>
-          <a:noFill/>
-        </p:spPr>
-        <p:txBody>
-          <a:bodyPr wrap="none" rtlCol="0">
-            <a:spAutoFit/>
-          </a:bodyPr>
-          <a:lstStyle/>
-          <a:p>
-            <a:r>
-              <a:rPr lang="en-GB" sz="2400" b="1" dirty="0">
-                <a:solidFill>
-                  <a:srgbClr val="FF0000"/>
-                </a:solidFill>
-              </a:rPr>
-              <a:t>Li</a:t>
-            </a:r>
+            <a:pPr algn="ctr"/>
+            <a:r>
+              <a:rPr lang="en-US" dirty="0"/>
+              <a:t>Demonstration</a:t>
+            </a:r>
+            <a:endParaRPr lang="en-GB" dirty="0"/>
           </a:p>
         </p:txBody>
       </p:sp>
     </p:spTree>
     <p:extLst>
       <p:ext uri="{BB962C8B-B14F-4D97-AF65-F5344CB8AC3E}">
-        <p14:creationId xmlns:p14="http://schemas.microsoft.com/office/powerpoint/2010/main" val="1760651800"/>
+        <p14:creationId xmlns:p14="http://schemas.microsoft.com/office/powerpoint/2010/main" val="3763592990"/>
       </p:ext>
     </p:extLst>
   </p:cSld>
@@ -18879,7 +18602,7 @@
               <a:defRPr/>
             </a:pPr>
             <a:r>
-              <a:rPr lang="en-GB" sz="2500" b="1" dirty="0" err="1">
+              <a:rPr lang="en-GB" sz="2500" b="1" dirty="0">
                 <a:solidFill>
                   <a:srgbClr val="1C3D74"/>
                 </a:solidFill>
@@ -18887,18 +18610,7 @@
                 <a:ea typeface="+mn-ea"/>
                 <a:cs typeface="Arial" panose="020B0604020202020204" pitchFamily="34" charset="0"/>
               </a:rPr>
-              <a:t>Github</a:t>
-            </a:r>
-            <a:r>
-              <a:rPr lang="en-GB" sz="2500" b="1" dirty="0">
-                <a:solidFill>
-                  <a:srgbClr val="1C3D74"/>
-                </a:solidFill>
-                <a:latin typeface="Arial" panose="020B0604020202020204" pitchFamily="34" charset="0"/>
-                <a:ea typeface="+mn-ea"/>
-                <a:cs typeface="Arial" panose="020B0604020202020204" pitchFamily="34" charset="0"/>
-              </a:rPr>
-              <a:t> repository</a:t>
+              <a:t>LLM relevance labelling</a:t>
             </a:r>
             <a:endParaRPr kumimoji="0" lang="en-GB" sz="2500" b="1" i="0" u="none" strike="noStrike" kern="1200" cap="none" spc="0" normalizeH="0" baseline="0" noProof="0" dirty="0">
               <a:ln>
@@ -18933,7 +18645,12 @@
             <p:ph type="body" sz="quarter" idx="13"/>
           </p:nvPr>
         </p:nvSpPr>
-        <p:spPr/>
+        <p:spPr>
+          <a:xfrm>
+            <a:off x="186596" y="906780"/>
+            <a:ext cx="8702527" cy="3270097"/>
+          </a:xfrm>
+        </p:spPr>
         <p:txBody>
           <a:bodyPr/>
           <a:lstStyle/>
@@ -18942,34 +18659,21 @@
               <a:buNone/>
             </a:pPr>
             <a:r>
-              <a:rPr lang="en-GB" b="1" dirty="0"/>
-              <a:t>In the presentation, the following should be made clear:</a:t>
+              <a:rPr lang="en-GB" dirty="0"/>
+              <a:t>ChatGPT labelled database documents using following prompt:</a:t>
             </a:r>
           </a:p>
           <a:p>
             <a:pPr lvl="1"/>
-            <a:r>
-              <a:rPr lang="en-GB" dirty="0"/>
-              <a:t>the indexing method you have used, and show some sample data</a:t>
-            </a:r>
+            <a:endParaRPr lang="en-GB" dirty="0"/>
           </a:p>
           <a:p>
             <a:pPr lvl="1"/>
-            <a:r>
-              <a:rPr lang="en-GB" dirty="0"/>
-              <a:t>the retrieval method you have used, and be able to explain the ranking you obtain</a:t>
-            </a:r>
+            <a:endParaRPr lang="en-GB" dirty="0"/>
           </a:p>
           <a:p>
             <a:pPr lvl="1"/>
-            <a:r>
-              <a:rPr lang="en-GB" dirty="0">
-                <a:solidFill>
-                  <a:srgbClr val="FF0000"/>
-                </a:solidFill>
-              </a:rPr>
-              <a:t>show how everything works on the documents collection which has been provided.</a:t>
-            </a:r>
+            <a:endParaRPr lang="en-GB" dirty="0"/>
           </a:p>
           <a:p>
             <a:pPr marL="0" indent="0">
@@ -18977,51 +18681,93 @@
             </a:pPr>
             <a:endParaRPr lang="en-GB" b="1" dirty="0"/>
           </a:p>
+          <a:p>
+            <a:pPr marL="0" indent="0">
+              <a:buNone/>
+            </a:pPr>
+            <a:endParaRPr lang="en-GB" b="1" dirty="0"/>
+          </a:p>
+          <a:p>
+            <a:pPr marL="0" indent="0">
+              <a:buNone/>
+            </a:pPr>
+            <a:endParaRPr lang="en-GB" b="1" dirty="0"/>
+          </a:p>
+          <a:p>
+            <a:pPr marL="0" indent="0">
+              <a:buNone/>
+            </a:pPr>
+            <a:endParaRPr lang="en-GB" b="1" dirty="0"/>
+          </a:p>
+          <a:p>
+            <a:r>
+              <a:rPr lang="en-GB" dirty="0"/>
+              <a:t>Initial attempt at 1-100 score caused ChatGPT to provide incomplete results and buffering challenges</a:t>
+            </a:r>
+          </a:p>
+          <a:p>
+            <a:r>
+              <a:rPr lang="en-US" dirty="0"/>
+              <a:t>R</a:t>
+            </a:r>
+            <a:r>
+              <a:rPr lang="en-US" sz="1400" dirty="0"/>
+              <a:t>ange of 1-5 informed by </a:t>
+            </a:r>
+            <a:r>
+              <a:rPr lang="en-GB" sz="1400" i="1" dirty="0"/>
+              <a:t>Beyond Yes and No: Improving Zero-Shot LLM Rankers via Scoring Fine-Grained Relevance Labels, </a:t>
+            </a:r>
+            <a:r>
+              <a:rPr lang="en-GB" sz="1400" i="1" dirty="0">
+                <a:hlinkClick r:id="rId2"/>
+              </a:rPr>
+              <a:t>https://arxiv.org/abs/2310.14122</a:t>
+            </a:r>
+            <a:endParaRPr lang="en-GB" b="1" dirty="0"/>
+          </a:p>
+          <a:p>
+            <a:pPr marL="0" indent="0">
+              <a:buNone/>
+            </a:pPr>
+            <a:endParaRPr lang="en-GB" b="1" dirty="0"/>
+          </a:p>
         </p:txBody>
       </p:sp>
-      <p:sp>
-        <p:nvSpPr>
-          <p:cNvPr id="3" name="TextBox 2">
+      <p:pic>
+        <p:nvPicPr>
+          <p:cNvPr id="6" name="Picture 5">
             <a:extLst>
               <a:ext uri="{FF2B5EF4-FFF2-40B4-BE49-F238E27FC236}">
-                <a16:creationId xmlns:a16="http://schemas.microsoft.com/office/drawing/2014/main" id="{9DCCE0FD-7EDA-8F21-B4DB-2E3A527B8536}"/>
+                <a16:creationId xmlns:a16="http://schemas.microsoft.com/office/drawing/2014/main" id="{71E5DCD7-2503-8F25-C888-017AAAAD541F}"/>
               </a:ext>
             </a:extLst>
           </p:cNvPr>
-          <p:cNvSpPr txBox="1"/>
+          <p:cNvPicPr>
+            <a:picLocks noChangeAspect="1"/>
+          </p:cNvPicPr>
           <p:nvPr/>
-        </p:nvSpPr>
+        </p:nvPicPr>
+        <p:blipFill>
+          <a:blip r:embed="rId3"/>
+          <a:stretch>
+            <a:fillRect/>
+          </a:stretch>
+        </p:blipFill>
         <p:spPr>
           <a:xfrm>
-            <a:off x="8276455" y="32357"/>
-            <a:ext cx="867545" cy="461665"/>
+            <a:off x="432213" y="1298773"/>
+            <a:ext cx="8279573" cy="1914525"/>
           </a:xfrm>
           <a:prstGeom prst="rect">
             <a:avLst/>
           </a:prstGeom>
-          <a:noFill/>
         </p:spPr>
-        <p:txBody>
-          <a:bodyPr wrap="none" rtlCol="0">
-            <a:spAutoFit/>
-          </a:bodyPr>
-          <a:lstStyle/>
-          <a:p>
-            <a:r>
-              <a:rPr lang="en-GB" sz="2400" b="1" dirty="0">
-                <a:solidFill>
-                  <a:srgbClr val="FF0000"/>
-                </a:solidFill>
-              </a:rPr>
-              <a:t>Bob </a:t>
-            </a:r>
-          </a:p>
-        </p:txBody>
-      </p:sp>
+      </p:pic>
     </p:spTree>
     <p:extLst>
       <p:ext uri="{BB962C8B-B14F-4D97-AF65-F5344CB8AC3E}">
-        <p14:creationId xmlns:p14="http://schemas.microsoft.com/office/powerpoint/2010/main" val="4106551304"/>
+        <p14:creationId xmlns:p14="http://schemas.microsoft.com/office/powerpoint/2010/main" val="3813121899"/>
       </p:ext>
     </p:extLst>
   </p:cSld>
@@ -19053,7 +18799,7 @@
           <p:cNvPr id="2" name="Content Placeholder 1">
             <a:extLst>
               <a:ext uri="{FF2B5EF4-FFF2-40B4-BE49-F238E27FC236}">
-                <a16:creationId xmlns:a16="http://schemas.microsoft.com/office/drawing/2014/main" id="{B378E443-28F0-4258-A5D5-6883EE7753B0}"/>
+                <a16:creationId xmlns:a16="http://schemas.microsoft.com/office/drawing/2014/main" id="{547EEEFF-9008-DB9A-D1DC-FBB819FCAFE9}"/>
               </a:ext>
             </a:extLst>
           </p:cNvPr>
@@ -19061,172 +18807,58 @@
             <a:spLocks noGrp="1"/>
           </p:cNvSpPr>
           <p:nvPr>
-            <p:ph type="title" idx="4294967295"/>
+            <p:ph sz="quarter" idx="10"/>
           </p:nvPr>
         </p:nvSpPr>
+        <p:spPr/>
+        <p:txBody>
+          <a:bodyPr/>
+          <a:lstStyle/>
+          <a:p>
+            <a:r>
+              <a:rPr lang="en-US" dirty="0"/>
+              <a:t>BM25 beats BM25F at all weightings</a:t>
+            </a:r>
+            <a:endParaRPr lang="en-GB" dirty="0"/>
+          </a:p>
+        </p:txBody>
+      </p:sp>
+      <p:pic>
+        <p:nvPicPr>
+          <p:cNvPr id="8" name="Picture 7">
+            <a:extLst>
+              <a:ext uri="{FF2B5EF4-FFF2-40B4-BE49-F238E27FC236}">
+                <a16:creationId xmlns:a16="http://schemas.microsoft.com/office/drawing/2014/main" id="{AE17A58E-67C7-DAC1-75DD-890865FADA87}"/>
+              </a:ext>
+            </a:extLst>
+          </p:cNvPr>
+          <p:cNvPicPr>
+            <a:picLocks noChangeAspect="1"/>
+          </p:cNvPicPr>
+          <p:nvPr/>
+        </p:nvPicPr>
+        <p:blipFill>
+          <a:blip r:embed="rId2"/>
+          <a:stretch>
+            <a:fillRect/>
+          </a:stretch>
+        </p:blipFill>
         <p:spPr>
           <a:xfrm>
-            <a:off x="186596" y="262396"/>
-            <a:ext cx="8672097" cy="1036377"/>
+            <a:off x="-636" y="1366689"/>
+            <a:ext cx="8958040" cy="2599926"/>
           </a:xfrm>
           <a:prstGeom prst="rect">
             <a:avLst/>
           </a:prstGeom>
-          <a:noFill/>
-          <a:ln>
-            <a:noFill/>
-            <a:prstDash/>
-          </a:ln>
-          <a:effectLst/>
         </p:spPr>
-        <p:txBody>
-          <a:bodyPr rot="0" spcFirstLastPara="0" vertOverflow="overflow" horzOverflow="overflow" vert="horz" wrap="square" lIns="91440" tIns="45720" rIns="91440" bIns="45720" numCol="1" spcCol="0" rtlCol="0" fromWordArt="0" anchor="t" anchorCtr="0" forceAA="0" compatLnSpc="1">
-            <a:prstTxWarp prst="textNoShape">
-              <a:avLst/>
-            </a:prstTxWarp>
-            <a:noAutofit/>
-          </a:bodyPr>
-          <a:lstStyle/>
-          <a:p>
-            <a:pPr marL="0" marR="0" lvl="0" indent="0" algn="l" defTabSz="914400" rtl="0" eaLnBrk="1" fontAlgn="auto" latinLnBrk="0" hangingPunct="1">
-              <a:lnSpc>
-                <a:spcPct val="90000"/>
-              </a:lnSpc>
-              <a:spcBef>
-                <a:spcPts val="1000"/>
-              </a:spcBef>
-              <a:spcAft>
-                <a:spcPts val="0"/>
-              </a:spcAft>
-              <a:buClrTx/>
-              <a:buSzTx/>
-              <a:buFont typeface="Arial" panose="020B0604020202020204" pitchFamily="34" charset="0"/>
-              <a:buNone/>
-              <a:tabLst/>
-              <a:defRPr/>
-            </a:pPr>
-            <a:r>
-              <a:rPr lang="en-GB" sz="2500" b="1" dirty="0">
-                <a:solidFill>
-                  <a:srgbClr val="1C3D74"/>
-                </a:solidFill>
-                <a:latin typeface="Arial" panose="020B0604020202020204" pitchFamily="34" charset="0"/>
-                <a:ea typeface="+mn-ea"/>
-                <a:cs typeface="Arial" panose="020B0604020202020204" pitchFamily="34" charset="0"/>
-              </a:rPr>
-              <a:t>LLM relevance labelling</a:t>
-            </a:r>
-            <a:endParaRPr kumimoji="0" lang="en-GB" sz="2500" b="1" i="0" u="none" strike="noStrike" kern="1200" cap="none" spc="0" normalizeH="0" baseline="0" noProof="0" dirty="0">
-              <a:ln>
-                <a:noFill/>
-              </a:ln>
-              <a:solidFill>
-                <a:srgbClr val="1C3D74"/>
-              </a:solidFill>
-              <a:effectLst/>
-              <a:uLnTx/>
-              <a:uFillTx/>
-              <a:latin typeface="Arial" panose="020B0604020202020204" pitchFamily="34" charset="0"/>
-              <a:ea typeface="+mn-ea"/>
-              <a:cs typeface="Arial" panose="020B0604020202020204" pitchFamily="34" charset="0"/>
-            </a:endParaRPr>
-          </a:p>
-        </p:txBody>
-      </p:sp>
+      </p:pic>
       <p:sp>
         <p:nvSpPr>
-          <p:cNvPr id="5" name="Text Placeholder 4">
+          <p:cNvPr id="9" name="TextBox 8">
             <a:extLst>
               <a:ext uri="{FF2B5EF4-FFF2-40B4-BE49-F238E27FC236}">
-                <a16:creationId xmlns:a16="http://schemas.microsoft.com/office/drawing/2014/main" id="{CA4E1434-A360-9366-BE4F-A3BD41B352E1}"/>
-              </a:ext>
-            </a:extLst>
-          </p:cNvPr>
-          <p:cNvSpPr>
-            <a:spLocks noGrp="1"/>
-          </p:cNvSpPr>
-          <p:nvPr>
-            <p:ph type="body" sz="quarter" idx="13"/>
-          </p:nvPr>
-        </p:nvSpPr>
-        <p:spPr>
-          <a:xfrm>
-            <a:off x="186596" y="1055649"/>
-            <a:ext cx="8672097" cy="3208376"/>
-          </a:xfrm>
-        </p:spPr>
-        <p:txBody>
-          <a:bodyPr/>
-          <a:lstStyle/>
-          <a:p>
-            <a:pPr marL="0" indent="0">
-              <a:buNone/>
-            </a:pPr>
-            <a:r>
-              <a:rPr lang="en-GB" b="1" dirty="0"/>
-              <a:t>Summarise key points here:</a:t>
-            </a:r>
-          </a:p>
-          <a:p>
-            <a:pPr lvl="1"/>
-            <a:r>
-              <a:rPr lang="en-GB" dirty="0"/>
-              <a:t>Method (ChatGPT, article batches, error handling, two queries per run)</a:t>
-            </a:r>
-          </a:p>
-          <a:p>
-            <a:pPr lvl="1"/>
-            <a:r>
-              <a:rPr lang="en-GB" dirty="0"/>
-              <a:t>Relevance scale 1-5 (</a:t>
-            </a:r>
-            <a:r>
-              <a:rPr lang="en-GB" i="1" dirty="0"/>
-              <a:t>Beyond Yes and No: Improving Zero-Shot LLM Rankers via Scoring Fine-Grained Relevance Labels, </a:t>
-            </a:r>
-            <a:r>
-              <a:rPr lang="en-GB" i="1" dirty="0">
-                <a:hlinkClick r:id="rId2"/>
-              </a:rPr>
-              <a:t>https://arxiv.org/abs/2310.14122</a:t>
-            </a:r>
-            <a:r>
-              <a:rPr lang="en-GB" dirty="0"/>
-              <a:t>)</a:t>
-            </a:r>
-          </a:p>
-          <a:p>
-            <a:pPr lvl="1"/>
-            <a:r>
-              <a:rPr lang="en-GB" dirty="0"/>
-              <a:t>Range of 10 queries to reflect topics vs specifics? How would this reflect recall?</a:t>
-            </a:r>
-          </a:p>
-          <a:p>
-            <a:pPr lvl="1"/>
-            <a:r>
-              <a:rPr lang="en-GB" dirty="0"/>
-              <a:t>Spot tested scores to sanity check results (e.g. Taylor Swift)</a:t>
-            </a:r>
-          </a:p>
-          <a:p>
-            <a:pPr lvl="1"/>
-            <a:endParaRPr lang="en-GB" dirty="0"/>
-          </a:p>
-          <a:p>
-            <a:pPr marL="0" indent="0">
-              <a:buNone/>
-            </a:pPr>
-            <a:endParaRPr lang="en-GB" b="1" dirty="0"/>
-          </a:p>
-        </p:txBody>
-      </p:sp>
-      <p:sp>
-        <p:nvSpPr>
-          <p:cNvPr id="3" name="TextBox 2">
-            <a:extLst>
-              <a:ext uri="{FF2B5EF4-FFF2-40B4-BE49-F238E27FC236}">
-                <a16:creationId xmlns:a16="http://schemas.microsoft.com/office/drawing/2014/main" id="{7D294FB1-55B7-C7B5-9551-4C242138CC87}"/>
+                <a16:creationId xmlns:a16="http://schemas.microsoft.com/office/drawing/2014/main" id="{26BE5D36-E111-25CB-F89C-FD52E8F9B8CF}"/>
               </a:ext>
             </a:extLst>
           </p:cNvPr>
@@ -19235,8 +18867,8 @@
         </p:nvSpPr>
         <p:spPr>
           <a:xfrm>
-            <a:off x="8276455" y="32357"/>
-            <a:ext cx="612668" cy="461665"/>
+            <a:off x="7147560" y="669054"/>
+            <a:ext cx="1497526" cy="507831"/>
           </a:xfrm>
           <a:prstGeom prst="rect">
             <a:avLst/>
@@ -19250,20 +18882,23 @@
           <a:lstStyle/>
           <a:p>
             <a:r>
-              <a:rPr lang="en-GB" sz="2400" b="1" dirty="0">
-                <a:solidFill>
-                  <a:srgbClr val="FF0000"/>
-                </a:solidFill>
-              </a:rPr>
-              <a:t>kk </a:t>
-            </a:r>
+              <a:rPr lang="en-US" dirty="0"/>
+              <a:t>W0 = article ‘title’</a:t>
+            </a:r>
+          </a:p>
+          <a:p>
+            <a:r>
+              <a:rPr lang="en-US" dirty="0"/>
+              <a:t>W1 = article ‘text’</a:t>
+            </a:r>
+            <a:endParaRPr lang="en-GB" dirty="0"/>
           </a:p>
         </p:txBody>
       </p:sp>
     </p:spTree>
     <p:extLst>
       <p:ext uri="{BB962C8B-B14F-4D97-AF65-F5344CB8AC3E}">
-        <p14:creationId xmlns:p14="http://schemas.microsoft.com/office/powerpoint/2010/main" val="3813121899"/>
+        <p14:creationId xmlns:p14="http://schemas.microsoft.com/office/powerpoint/2010/main" val="3919046341"/>
       </p:ext>
     </p:extLst>
   </p:cSld>
@@ -19295,7 +18930,7 @@
           <p:cNvPr id="2" name="Content Placeholder 1">
             <a:extLst>
               <a:ext uri="{FF2B5EF4-FFF2-40B4-BE49-F238E27FC236}">
-                <a16:creationId xmlns:a16="http://schemas.microsoft.com/office/drawing/2014/main" id="{B378E443-28F0-4258-A5D5-6883EE7753B0}"/>
+                <a16:creationId xmlns:a16="http://schemas.microsoft.com/office/drawing/2014/main" id="{24986449-C321-3795-9609-C441EA186F9A}"/>
               </a:ext>
             </a:extLst>
           </p:cNvPr>
@@ -19303,2191 +18938,118 @@
             <a:spLocks noGrp="1"/>
           </p:cNvSpPr>
           <p:nvPr>
-            <p:ph type="title" idx="4294967295"/>
+            <p:ph sz="quarter" idx="10"/>
           </p:nvPr>
         </p:nvSpPr>
+        <p:spPr/>
+        <p:txBody>
+          <a:bodyPr/>
+          <a:lstStyle/>
+          <a:p>
+            <a:r>
+              <a:rPr lang="en-US" dirty="0"/>
+              <a:t>But it depends on the query…</a:t>
+            </a:r>
+            <a:endParaRPr lang="en-GB" dirty="0"/>
+          </a:p>
+        </p:txBody>
+      </p:sp>
+      <p:pic>
+        <p:nvPicPr>
+          <p:cNvPr id="6" name="Picture 5">
+            <a:extLst>
+              <a:ext uri="{FF2B5EF4-FFF2-40B4-BE49-F238E27FC236}">
+                <a16:creationId xmlns:a16="http://schemas.microsoft.com/office/drawing/2014/main" id="{6EA3DB19-25AD-F89E-8D1D-D1C209862978}"/>
+              </a:ext>
+            </a:extLst>
+          </p:cNvPr>
+          <p:cNvPicPr>
+            <a:picLocks noChangeAspect="1"/>
+          </p:cNvPicPr>
+          <p:nvPr/>
+        </p:nvPicPr>
+        <p:blipFill>
+          <a:blip r:embed="rId2"/>
+          <a:stretch>
+            <a:fillRect/>
+          </a:stretch>
+        </p:blipFill>
         <p:spPr>
           <a:xfrm>
-            <a:off x="186596" y="262396"/>
-            <a:ext cx="8672097" cy="1036377"/>
+            <a:off x="113127" y="2801632"/>
+            <a:ext cx="6499860" cy="1691152"/>
           </a:xfrm>
           <a:prstGeom prst="rect">
             <a:avLst/>
           </a:prstGeom>
-          <a:noFill/>
-          <a:ln>
-            <a:noFill/>
-            <a:prstDash/>
-          </a:ln>
-          <a:effectLst/>
         </p:spPr>
-        <p:txBody>
-          <a:bodyPr rot="0" spcFirstLastPara="0" vertOverflow="overflow" horzOverflow="overflow" vert="horz" wrap="square" lIns="91440" tIns="45720" rIns="91440" bIns="45720" numCol="1" spcCol="0" rtlCol="0" fromWordArt="0" anchor="t" anchorCtr="0" forceAA="0" compatLnSpc="1">
-            <a:prstTxWarp prst="textNoShape">
-              <a:avLst/>
-            </a:prstTxWarp>
-            <a:noAutofit/>
-          </a:bodyPr>
-          <a:lstStyle/>
-          <a:p>
-            <a:pPr marL="0" marR="0" lvl="0" indent="0" algn="l" defTabSz="914400" rtl="0" eaLnBrk="1" fontAlgn="auto" latinLnBrk="0" hangingPunct="1">
-              <a:lnSpc>
-                <a:spcPct val="90000"/>
-              </a:lnSpc>
-              <a:spcBef>
-                <a:spcPts val="1000"/>
-              </a:spcBef>
-              <a:spcAft>
-                <a:spcPts val="0"/>
-              </a:spcAft>
-              <a:buClrTx/>
-              <a:buSzTx/>
-              <a:buFont typeface="Arial" panose="020B0604020202020204" pitchFamily="34" charset="0"/>
-              <a:buNone/>
-              <a:tabLst/>
-              <a:defRPr/>
-            </a:pPr>
-            <a:r>
-              <a:rPr kumimoji="0" lang="en-GB" sz="2500" b="1" i="0" u="none" strike="noStrike" kern="1200" cap="none" spc="0" normalizeH="0" baseline="0" noProof="0" dirty="0">
-                <a:ln>
-                  <a:noFill/>
-                </a:ln>
-                <a:solidFill>
-                  <a:srgbClr val="1C3D74"/>
-                </a:solidFill>
-                <a:effectLst/>
-                <a:uLnTx/>
-                <a:uFillTx/>
-                <a:latin typeface="Arial" panose="020B0604020202020204" pitchFamily="34" charset="0"/>
-                <a:ea typeface="+mn-ea"/>
-                <a:cs typeface="Arial" panose="020B0604020202020204" pitchFamily="34" charset="0"/>
-              </a:rPr>
-              <a:t>Results breakdown</a:t>
-            </a:r>
-          </a:p>
-        </p:txBody>
-      </p:sp>
-      <p:sp>
-        <p:nvSpPr>
-          <p:cNvPr id="3" name="Text Placeholder 2">
+      </p:pic>
+      <p:pic>
+        <p:nvPicPr>
+          <p:cNvPr id="8" name="Picture 7">
             <a:extLst>
               <a:ext uri="{FF2B5EF4-FFF2-40B4-BE49-F238E27FC236}">
-                <a16:creationId xmlns:a16="http://schemas.microsoft.com/office/drawing/2014/main" id="{F4505E50-A24B-4A35-81F6-DC65C5D2D4F1}"/>
+                <a16:creationId xmlns:a16="http://schemas.microsoft.com/office/drawing/2014/main" id="{CA11CF96-CC42-AEA1-9108-B73F3244CF8F}"/>
               </a:ext>
             </a:extLst>
           </p:cNvPr>
-          <p:cNvSpPr>
-            <a:spLocks noGrp="1"/>
-          </p:cNvSpPr>
-          <p:nvPr>
-            <p:ph type="body" sz="quarter" idx="13"/>
-          </p:nvPr>
-        </p:nvSpPr>
+          <p:cNvPicPr>
+            <a:picLocks noChangeAspect="1"/>
+          </p:cNvPicPr>
+          <p:nvPr/>
+        </p:nvPicPr>
+        <p:blipFill>
+          <a:blip r:embed="rId3"/>
+          <a:stretch>
+            <a:fillRect/>
+          </a:stretch>
+        </p:blipFill>
         <p:spPr>
           <a:xfrm>
-            <a:off x="186596" y="780584"/>
-            <a:ext cx="8672097" cy="1323279"/>
+            <a:off x="113127" y="970423"/>
+            <a:ext cx="6614160" cy="1682026"/>
           </a:xfrm>
+          <a:prstGeom prst="rect">
+            <a:avLst/>
+          </a:prstGeom>
         </p:spPr>
-        <p:txBody>
-          <a:bodyPr/>
-          <a:lstStyle/>
-          <a:p>
-            <a:pPr marL="0" indent="0">
-              <a:buNone/>
-            </a:pPr>
-            <a:r>
-              <a:rPr lang="en-GB" b="1" dirty="0">
-                <a:sym typeface="Calibri"/>
-              </a:rPr>
-              <a:t>Need table of </a:t>
-            </a:r>
-            <a:r>
-              <a:rPr lang="en-GB" b="1" dirty="0" err="1">
-                <a:sym typeface="Calibri"/>
-              </a:rPr>
-              <a:t>dNG</a:t>
-            </a:r>
-            <a:r>
-              <a:rPr lang="en-GB" b="1" dirty="0">
-                <a:sym typeface="Calibri"/>
-              </a:rPr>
-              <a:t> metric results here @ different values of n</a:t>
-            </a:r>
-          </a:p>
-          <a:p>
-            <a:endParaRPr lang="en-GB" dirty="0"/>
-          </a:p>
-        </p:txBody>
-      </p:sp>
-      <p:graphicFrame>
-        <p:nvGraphicFramePr>
-          <p:cNvPr id="4" name="Table 3">
+      </p:pic>
+      <p:pic>
+        <p:nvPicPr>
+          <p:cNvPr id="10" name="Picture 9">
             <a:extLst>
               <a:ext uri="{FF2B5EF4-FFF2-40B4-BE49-F238E27FC236}">
-                <a16:creationId xmlns:a16="http://schemas.microsoft.com/office/drawing/2014/main" id="{9BE61523-B94C-8A47-901E-C045949B761D}"/>
+                <a16:creationId xmlns:a16="http://schemas.microsoft.com/office/drawing/2014/main" id="{AF5CAE80-46D0-CD4E-963A-267B835083AC}"/>
               </a:ext>
             </a:extLst>
           </p:cNvPr>
-          <p:cNvGraphicFramePr>
-            <a:graphicFrameLocks noGrp="1"/>
-          </p:cNvGraphicFramePr>
-          <p:nvPr>
-            <p:extLst>
-              <p:ext uri="{D42A27DB-BD31-4B8C-83A1-F6EECF244321}">
-                <p14:modId xmlns:p14="http://schemas.microsoft.com/office/powerpoint/2010/main" val="2408491302"/>
-              </p:ext>
-            </p:extLst>
-          </p:nvPr>
-        </p:nvGraphicFramePr>
-        <p:xfrm>
-          <a:off x="458323" y="1607877"/>
-          <a:ext cx="7137192" cy="1106344"/>
-        </p:xfrm>
-        <a:graphic>
-          <a:graphicData uri="http://schemas.openxmlformats.org/drawingml/2006/table">
-            <a:tbl>
-              <a:tblPr firstRow="1" bandRow="1">
-                <a:tableStyleId>{5C22544A-7EE6-4342-B048-85BDC9FD1C3A}</a:tableStyleId>
-              </a:tblPr>
-              <a:tblGrid>
-                <a:gridCol w="1189532">
-                  <a:extLst>
-                    <a:ext uri="{9D8B030D-6E8A-4147-A177-3AD203B41FA5}">
-                      <a16:colId xmlns:a16="http://schemas.microsoft.com/office/drawing/2014/main" val="3822116847"/>
-                    </a:ext>
-                  </a:extLst>
-                </a:gridCol>
-                <a:gridCol w="1189532">
-                  <a:extLst>
-                    <a:ext uri="{9D8B030D-6E8A-4147-A177-3AD203B41FA5}">
-                      <a16:colId xmlns:a16="http://schemas.microsoft.com/office/drawing/2014/main" val="1796008628"/>
-                    </a:ext>
-                  </a:extLst>
-                </a:gridCol>
-                <a:gridCol w="1189532">
-                  <a:extLst>
-                    <a:ext uri="{9D8B030D-6E8A-4147-A177-3AD203B41FA5}">
-                      <a16:colId xmlns:a16="http://schemas.microsoft.com/office/drawing/2014/main" val="3879958063"/>
-                    </a:ext>
-                  </a:extLst>
-                </a:gridCol>
-                <a:gridCol w="1189532">
-                  <a:extLst>
-                    <a:ext uri="{9D8B030D-6E8A-4147-A177-3AD203B41FA5}">
-                      <a16:colId xmlns:a16="http://schemas.microsoft.com/office/drawing/2014/main" val="3650332254"/>
-                    </a:ext>
-                  </a:extLst>
-                </a:gridCol>
-                <a:gridCol w="1189532">
-                  <a:extLst>
-                    <a:ext uri="{9D8B030D-6E8A-4147-A177-3AD203B41FA5}">
-                      <a16:colId xmlns:a16="http://schemas.microsoft.com/office/drawing/2014/main" val="3035283889"/>
-                    </a:ext>
-                  </a:extLst>
-                </a:gridCol>
-                <a:gridCol w="1189532">
-                  <a:extLst>
-                    <a:ext uri="{9D8B030D-6E8A-4147-A177-3AD203B41FA5}">
-                      <a16:colId xmlns:a16="http://schemas.microsoft.com/office/drawing/2014/main" val="2593290401"/>
-                    </a:ext>
-                  </a:extLst>
-                </a:gridCol>
-              </a:tblGrid>
-              <a:tr h="276586">
-                <a:tc>
-                  <a:txBody>
-                    <a:bodyPr/>
-                    <a:lstStyle/>
-                    <a:p>
-                      <a:pPr algn="ctr"/>
-                      <a:r>
-                        <a:rPr lang="en-US" sz="800" b="0" i="0" dirty="0">
-                          <a:latin typeface="+mj-lt"/>
-                        </a:rPr>
-                        <a:t>XXXXXXXXXXXXX</a:t>
-                      </a:r>
-                    </a:p>
-                  </a:txBody>
-                  <a:tcPr marL="32707" marR="32707" marT="49061" marB="49061" anchor="ctr">
-                    <a:lnL w="12700" cap="flat" cmpd="sng" algn="ctr">
-                      <a:solidFill>
-                        <a:srgbClr val="1C3D74"/>
-                      </a:solidFill>
-                      <a:prstDash val="solid"/>
-                      <a:round/>
-                      <a:headEnd type="none" w="med" len="med"/>
-                      <a:tailEnd type="none" w="med" len="med"/>
-                    </a:lnL>
-                    <a:lnR w="12700" cap="flat" cmpd="sng" algn="ctr">
-                      <a:solidFill>
-                        <a:schemeClr val="bg1"/>
-                      </a:solidFill>
-                      <a:prstDash val="solid"/>
-                      <a:round/>
-                      <a:headEnd type="none" w="med" len="med"/>
-                      <a:tailEnd type="none" w="med" len="med"/>
-                    </a:lnR>
-                    <a:lnT w="12700" cap="flat" cmpd="sng" algn="ctr">
-                      <a:solidFill>
-                        <a:srgbClr val="1C3D74"/>
-                      </a:solidFill>
-                      <a:prstDash val="solid"/>
-                      <a:round/>
-                      <a:headEnd type="none" w="med" len="med"/>
-                      <a:tailEnd type="none" w="med" len="med"/>
-                    </a:lnT>
-                    <a:lnB w="12700" cap="flat" cmpd="sng" algn="ctr">
-                      <a:solidFill>
-                        <a:srgbClr val="1C3D74"/>
-                      </a:solidFill>
-                      <a:prstDash val="solid"/>
-                      <a:round/>
-                      <a:headEnd type="none" w="med" len="med"/>
-                      <a:tailEnd type="none" w="med" len="med"/>
-                    </a:lnB>
-                    <a:solidFill>
-                      <a:srgbClr val="1C3D74"/>
-                    </a:solidFill>
-                  </a:tcPr>
-                </a:tc>
-                <a:tc>
-                  <a:txBody>
-                    <a:bodyPr/>
-                    <a:lstStyle/>
-                    <a:p>
-                      <a:pPr marL="0" marR="0" indent="0" algn="ctr" defTabSz="914400" rtl="0" eaLnBrk="1" fontAlgn="auto" latinLnBrk="0" hangingPunct="1">
-                        <a:lnSpc>
-                          <a:spcPct val="100000"/>
-                        </a:lnSpc>
-                        <a:spcBef>
-                          <a:spcPts val="0"/>
-                        </a:spcBef>
-                        <a:spcAft>
-                          <a:spcPts val="0"/>
-                        </a:spcAft>
-                        <a:buClrTx/>
-                        <a:buSzTx/>
-                        <a:buFontTx/>
-                        <a:buNone/>
-                        <a:tabLst/>
-                        <a:defRPr/>
-                      </a:pPr>
-                      <a:r>
-                        <a:rPr kumimoji="0" lang="en-US" sz="800" b="0" i="0" u="none" strike="noStrike" kern="1200" cap="none" spc="0" normalizeH="0" baseline="0" noProof="0" dirty="0">
-                          <a:ln>
-                            <a:noFill/>
-                          </a:ln>
-                          <a:solidFill>
-                            <a:prstClr val="white"/>
-                          </a:solidFill>
-                          <a:effectLst/>
-                          <a:uLnTx/>
-                          <a:uFillTx/>
-                          <a:latin typeface="+mj-lt"/>
-                          <a:ea typeface="+mn-ea"/>
-                          <a:cs typeface="+mn-cs"/>
-                        </a:rPr>
-                        <a:t>XXXXXXXXXXXX</a:t>
-                      </a:r>
-                      <a:endParaRPr lang="en-US" sz="800" dirty="0">
-                        <a:latin typeface="+mj-lt"/>
-                      </a:endParaRPr>
-                    </a:p>
-                  </a:txBody>
-                  <a:tcPr marL="32707" marR="32707" marT="49061" marB="49061" anchor="ctr">
-                    <a:lnL w="12700" cap="flat" cmpd="sng" algn="ctr">
-                      <a:solidFill>
-                        <a:schemeClr val="bg1"/>
-                      </a:solidFill>
-                      <a:prstDash val="solid"/>
-                      <a:round/>
-                      <a:headEnd type="none" w="med" len="med"/>
-                      <a:tailEnd type="none" w="med" len="med"/>
-                    </a:lnL>
-                    <a:lnR w="12700" cap="flat" cmpd="sng" algn="ctr">
-                      <a:solidFill>
-                        <a:schemeClr val="bg1"/>
-                      </a:solidFill>
-                      <a:prstDash val="solid"/>
-                      <a:round/>
-                      <a:headEnd type="none" w="med" len="med"/>
-                      <a:tailEnd type="none" w="med" len="med"/>
-                    </a:lnR>
-                    <a:lnT w="12700" cap="flat" cmpd="sng" algn="ctr">
-                      <a:solidFill>
-                        <a:srgbClr val="1C3D74"/>
-                      </a:solidFill>
-                      <a:prstDash val="solid"/>
-                      <a:round/>
-                      <a:headEnd type="none" w="med" len="med"/>
-                      <a:tailEnd type="none" w="med" len="med"/>
-                    </a:lnT>
-                    <a:lnB w="12700" cap="flat" cmpd="sng" algn="ctr">
-                      <a:solidFill>
-                        <a:srgbClr val="1C3D74"/>
-                      </a:solidFill>
-                      <a:prstDash val="solid"/>
-                      <a:round/>
-                      <a:headEnd type="none" w="med" len="med"/>
-                      <a:tailEnd type="none" w="med" len="med"/>
-                    </a:lnB>
-                    <a:solidFill>
-                      <a:srgbClr val="1C3D74"/>
-                    </a:solidFill>
-                  </a:tcPr>
-                </a:tc>
-                <a:tc>
-                  <a:txBody>
-                    <a:bodyPr/>
-                    <a:lstStyle/>
-                    <a:p>
-                      <a:pPr marL="0" marR="0" lvl="0" indent="0" algn="ctr" defTabSz="914400" rtl="0" eaLnBrk="1" fontAlgn="auto" latinLnBrk="0" hangingPunct="1">
-                        <a:lnSpc>
-                          <a:spcPct val="100000"/>
-                        </a:lnSpc>
-                        <a:spcBef>
-                          <a:spcPts val="0"/>
-                        </a:spcBef>
-                        <a:spcAft>
-                          <a:spcPts val="0"/>
-                        </a:spcAft>
-                        <a:buClrTx/>
-                        <a:buSzTx/>
-                        <a:buFontTx/>
-                        <a:buNone/>
-                        <a:tabLst/>
-                        <a:defRPr/>
-                      </a:pPr>
-                      <a:r>
-                        <a:rPr kumimoji="0" lang="en-US" sz="800" b="0" i="0" u="none" strike="noStrike" kern="1200" cap="none" spc="0" normalizeH="0" baseline="0" noProof="0" dirty="0">
-                          <a:ln>
-                            <a:noFill/>
-                          </a:ln>
-                          <a:solidFill>
-                            <a:prstClr val="white"/>
-                          </a:solidFill>
-                          <a:effectLst/>
-                          <a:uLnTx/>
-                          <a:uFillTx/>
-                          <a:latin typeface="+mj-lt"/>
-                          <a:ea typeface="+mn-ea"/>
-                          <a:cs typeface="+mn-cs"/>
-                        </a:rPr>
-                        <a:t>XXXXXXXXXXXXX</a:t>
-                      </a:r>
-                      <a:endParaRPr kumimoji="0" lang="en-US" sz="800" b="1" i="0" u="none" strike="noStrike" kern="1200" cap="none" spc="0" normalizeH="0" baseline="0" noProof="0" dirty="0">
-                        <a:ln>
-                          <a:noFill/>
-                        </a:ln>
-                        <a:solidFill>
-                          <a:prstClr val="white"/>
-                        </a:solidFill>
-                        <a:effectLst/>
-                        <a:uLnTx/>
-                        <a:uFillTx/>
-                        <a:latin typeface="+mj-lt"/>
-                        <a:ea typeface="+mn-ea"/>
-                        <a:cs typeface="+mn-cs"/>
-                      </a:endParaRPr>
-                    </a:p>
-                  </a:txBody>
-                  <a:tcPr marL="32707" marR="32707" marT="49061" marB="49061" anchor="ctr">
-                    <a:lnL w="12700" cap="flat" cmpd="sng" algn="ctr">
-                      <a:solidFill>
-                        <a:schemeClr val="bg1"/>
-                      </a:solidFill>
-                      <a:prstDash val="solid"/>
-                      <a:round/>
-                      <a:headEnd type="none" w="med" len="med"/>
-                      <a:tailEnd type="none" w="med" len="med"/>
-                    </a:lnL>
-                    <a:lnR w="12700" cap="flat" cmpd="sng" algn="ctr">
-                      <a:solidFill>
-                        <a:schemeClr val="bg1"/>
-                      </a:solidFill>
-                      <a:prstDash val="solid"/>
-                      <a:round/>
-                      <a:headEnd type="none" w="med" len="med"/>
-                      <a:tailEnd type="none" w="med" len="med"/>
-                    </a:lnR>
-                    <a:lnT w="12700" cap="flat" cmpd="sng" algn="ctr">
-                      <a:solidFill>
-                        <a:srgbClr val="1C3D74"/>
-                      </a:solidFill>
-                      <a:prstDash val="solid"/>
-                      <a:round/>
-                      <a:headEnd type="none" w="med" len="med"/>
-                      <a:tailEnd type="none" w="med" len="med"/>
-                    </a:lnT>
-                    <a:lnB w="12700" cap="flat" cmpd="sng" algn="ctr">
-                      <a:solidFill>
-                        <a:srgbClr val="1C3D74"/>
-                      </a:solidFill>
-                      <a:prstDash val="solid"/>
-                      <a:round/>
-                      <a:headEnd type="none" w="med" len="med"/>
-                      <a:tailEnd type="none" w="med" len="med"/>
-                    </a:lnB>
-                    <a:solidFill>
-                      <a:srgbClr val="1C3D74"/>
-                    </a:solidFill>
-                  </a:tcPr>
-                </a:tc>
-                <a:tc>
-                  <a:txBody>
-                    <a:bodyPr/>
-                    <a:lstStyle/>
-                    <a:p>
-                      <a:pPr marL="0" marR="0" lvl="0" indent="0" algn="ctr" defTabSz="914400" rtl="0" eaLnBrk="1" fontAlgn="auto" latinLnBrk="0" hangingPunct="1">
-                        <a:lnSpc>
-                          <a:spcPct val="100000"/>
-                        </a:lnSpc>
-                        <a:spcBef>
-                          <a:spcPts val="0"/>
-                        </a:spcBef>
-                        <a:spcAft>
-                          <a:spcPts val="0"/>
-                        </a:spcAft>
-                        <a:buClrTx/>
-                        <a:buSzTx/>
-                        <a:buFontTx/>
-                        <a:buNone/>
-                        <a:tabLst/>
-                        <a:defRPr/>
-                      </a:pPr>
-                      <a:r>
-                        <a:rPr kumimoji="0" lang="en-US" sz="800" b="0" i="0" u="none" strike="noStrike" kern="1200" cap="none" spc="0" normalizeH="0" baseline="0" noProof="0" dirty="0">
-                          <a:ln>
-                            <a:noFill/>
-                          </a:ln>
-                          <a:solidFill>
-                            <a:prstClr val="white"/>
-                          </a:solidFill>
-                          <a:effectLst/>
-                          <a:uLnTx/>
-                          <a:uFillTx/>
-                          <a:latin typeface="+mj-lt"/>
-                          <a:ea typeface="+mn-ea"/>
-                          <a:cs typeface="+mn-cs"/>
-                        </a:rPr>
-                        <a:t>XXXXXXXXXXXXX</a:t>
-                      </a:r>
-                      <a:endParaRPr kumimoji="0" lang="en-US" sz="800" b="1" i="0" u="none" strike="noStrike" kern="1200" cap="none" spc="0" normalizeH="0" baseline="0" noProof="0" dirty="0">
-                        <a:ln>
-                          <a:noFill/>
-                        </a:ln>
-                        <a:solidFill>
-                          <a:prstClr val="white"/>
-                        </a:solidFill>
-                        <a:effectLst/>
-                        <a:uLnTx/>
-                        <a:uFillTx/>
-                        <a:latin typeface="+mj-lt"/>
-                        <a:ea typeface="+mn-ea"/>
-                        <a:cs typeface="+mn-cs"/>
-                      </a:endParaRPr>
-                    </a:p>
-                  </a:txBody>
-                  <a:tcPr marL="32707" marR="32707" marT="49061" marB="49061" anchor="ctr">
-                    <a:lnL w="12700" cap="flat" cmpd="sng" algn="ctr">
-                      <a:solidFill>
-                        <a:schemeClr val="bg1"/>
-                      </a:solidFill>
-                      <a:prstDash val="solid"/>
-                      <a:round/>
-                      <a:headEnd type="none" w="med" len="med"/>
-                      <a:tailEnd type="none" w="med" len="med"/>
-                    </a:lnL>
-                    <a:lnR w="12700" cap="flat" cmpd="sng" algn="ctr">
-                      <a:solidFill>
-                        <a:schemeClr val="bg1"/>
-                      </a:solidFill>
-                      <a:prstDash val="solid"/>
-                      <a:round/>
-                      <a:headEnd type="none" w="med" len="med"/>
-                      <a:tailEnd type="none" w="med" len="med"/>
-                    </a:lnR>
-                    <a:lnT w="12700" cap="flat" cmpd="sng" algn="ctr">
-                      <a:solidFill>
-                        <a:srgbClr val="1C3D74"/>
-                      </a:solidFill>
-                      <a:prstDash val="solid"/>
-                      <a:round/>
-                      <a:headEnd type="none" w="med" len="med"/>
-                      <a:tailEnd type="none" w="med" len="med"/>
-                    </a:lnT>
-                    <a:lnB w="12700" cap="flat" cmpd="sng" algn="ctr">
-                      <a:solidFill>
-                        <a:srgbClr val="1C3D74"/>
-                      </a:solidFill>
-                      <a:prstDash val="solid"/>
-                      <a:round/>
-                      <a:headEnd type="none" w="med" len="med"/>
-                      <a:tailEnd type="none" w="med" len="med"/>
-                    </a:lnB>
-                    <a:solidFill>
-                      <a:srgbClr val="1C3D74"/>
-                    </a:solidFill>
-                  </a:tcPr>
-                </a:tc>
-                <a:tc>
-                  <a:txBody>
-                    <a:bodyPr/>
-                    <a:lstStyle/>
-                    <a:p>
-                      <a:pPr marL="0" marR="0" lvl="0" indent="0" algn="ctr" defTabSz="914400" rtl="0" eaLnBrk="1" fontAlgn="auto" latinLnBrk="0" hangingPunct="1">
-                        <a:lnSpc>
-                          <a:spcPct val="100000"/>
-                        </a:lnSpc>
-                        <a:spcBef>
-                          <a:spcPts val="0"/>
-                        </a:spcBef>
-                        <a:spcAft>
-                          <a:spcPts val="0"/>
-                        </a:spcAft>
-                        <a:buClrTx/>
-                        <a:buSzTx/>
-                        <a:buFontTx/>
-                        <a:buNone/>
-                        <a:tabLst/>
-                        <a:defRPr/>
-                      </a:pPr>
-                      <a:r>
-                        <a:rPr kumimoji="0" lang="en-US" sz="800" b="0" i="0" u="none" strike="noStrike" kern="1200" cap="none" spc="0" normalizeH="0" baseline="0" noProof="0" dirty="0">
-                          <a:ln>
-                            <a:noFill/>
-                          </a:ln>
-                          <a:solidFill>
-                            <a:prstClr val="white"/>
-                          </a:solidFill>
-                          <a:effectLst/>
-                          <a:uLnTx/>
-                          <a:uFillTx/>
-                          <a:latin typeface="+mj-lt"/>
-                          <a:ea typeface="+mn-ea"/>
-                          <a:cs typeface="+mn-cs"/>
-                        </a:rPr>
-                        <a:t>XXXXXXXXXXXXX</a:t>
-                      </a:r>
-                      <a:endParaRPr kumimoji="0" lang="en-US" sz="800" b="1" i="0" u="none" strike="noStrike" kern="1200" cap="none" spc="0" normalizeH="0" baseline="0" noProof="0" dirty="0">
-                        <a:ln>
-                          <a:noFill/>
-                        </a:ln>
-                        <a:solidFill>
-                          <a:prstClr val="white"/>
-                        </a:solidFill>
-                        <a:effectLst/>
-                        <a:uLnTx/>
-                        <a:uFillTx/>
-                        <a:latin typeface="+mj-lt"/>
-                        <a:ea typeface="+mn-ea"/>
-                        <a:cs typeface="+mn-cs"/>
-                      </a:endParaRPr>
-                    </a:p>
-                  </a:txBody>
-                  <a:tcPr marL="32707" marR="32707" marT="49061" marB="49061" anchor="ctr">
-                    <a:lnL w="12700" cap="flat" cmpd="sng" algn="ctr">
-                      <a:solidFill>
-                        <a:schemeClr val="bg1"/>
-                      </a:solidFill>
-                      <a:prstDash val="solid"/>
-                      <a:round/>
-                      <a:headEnd type="none" w="med" len="med"/>
-                      <a:tailEnd type="none" w="med" len="med"/>
-                    </a:lnL>
-                    <a:lnR w="12700" cap="flat" cmpd="sng" algn="ctr">
-                      <a:solidFill>
-                        <a:schemeClr val="bg1"/>
-                      </a:solidFill>
-                      <a:prstDash val="solid"/>
-                      <a:round/>
-                      <a:headEnd type="none" w="med" len="med"/>
-                      <a:tailEnd type="none" w="med" len="med"/>
-                    </a:lnR>
-                    <a:lnT w="12700" cap="flat" cmpd="sng" algn="ctr">
-                      <a:solidFill>
-                        <a:srgbClr val="1C3D74"/>
-                      </a:solidFill>
-                      <a:prstDash val="solid"/>
-                      <a:round/>
-                      <a:headEnd type="none" w="med" len="med"/>
-                      <a:tailEnd type="none" w="med" len="med"/>
-                    </a:lnT>
-                    <a:lnB w="12700" cap="flat" cmpd="sng" algn="ctr">
-                      <a:solidFill>
-                        <a:srgbClr val="1C3D74"/>
-                      </a:solidFill>
-                      <a:prstDash val="solid"/>
-                      <a:round/>
-                      <a:headEnd type="none" w="med" len="med"/>
-                      <a:tailEnd type="none" w="med" len="med"/>
-                    </a:lnB>
-                    <a:solidFill>
-                      <a:srgbClr val="1C3D74"/>
-                    </a:solidFill>
-                  </a:tcPr>
-                </a:tc>
-                <a:tc>
-                  <a:txBody>
-                    <a:bodyPr/>
-                    <a:lstStyle/>
-                    <a:p>
-                      <a:pPr marL="0" marR="0" lvl="0" indent="0" algn="ctr" defTabSz="914400" rtl="0" eaLnBrk="1" fontAlgn="auto" latinLnBrk="0" hangingPunct="1">
-                        <a:lnSpc>
-                          <a:spcPct val="100000"/>
-                        </a:lnSpc>
-                        <a:spcBef>
-                          <a:spcPts val="0"/>
-                        </a:spcBef>
-                        <a:spcAft>
-                          <a:spcPts val="0"/>
-                        </a:spcAft>
-                        <a:buClrTx/>
-                        <a:buSzTx/>
-                        <a:buFontTx/>
-                        <a:buNone/>
-                        <a:tabLst/>
-                        <a:defRPr/>
-                      </a:pPr>
-                      <a:r>
-                        <a:rPr kumimoji="0" lang="en-US" sz="800" b="0" i="0" u="none" strike="noStrike" kern="1200" cap="none" spc="0" normalizeH="0" baseline="0" noProof="0" dirty="0">
-                          <a:ln>
-                            <a:noFill/>
-                          </a:ln>
-                          <a:solidFill>
-                            <a:prstClr val="white"/>
-                          </a:solidFill>
-                          <a:effectLst/>
-                          <a:uLnTx/>
-                          <a:uFillTx/>
-                          <a:latin typeface="+mj-lt"/>
-                          <a:ea typeface="+mn-ea"/>
-                          <a:cs typeface="+mn-cs"/>
-                        </a:rPr>
-                        <a:t>XXXXXXXXXXXXX</a:t>
-                      </a:r>
-                      <a:endParaRPr kumimoji="0" lang="en-US" sz="800" b="1" i="0" u="none" strike="noStrike" kern="1200" cap="none" spc="0" normalizeH="0" baseline="0" noProof="0" dirty="0">
-                        <a:ln>
-                          <a:noFill/>
-                        </a:ln>
-                        <a:solidFill>
-                          <a:prstClr val="white"/>
-                        </a:solidFill>
-                        <a:effectLst/>
-                        <a:uLnTx/>
-                        <a:uFillTx/>
-                        <a:latin typeface="+mj-lt"/>
-                        <a:ea typeface="+mn-ea"/>
-                        <a:cs typeface="+mn-cs"/>
-                      </a:endParaRPr>
-                    </a:p>
-                  </a:txBody>
-                  <a:tcPr marL="32707" marR="32707" marT="49061" marB="49061" anchor="ctr">
-                    <a:lnL w="12700" cap="flat" cmpd="sng" algn="ctr">
-                      <a:solidFill>
-                        <a:schemeClr val="bg1"/>
-                      </a:solidFill>
-                      <a:prstDash val="solid"/>
-                      <a:round/>
-                      <a:headEnd type="none" w="med" len="med"/>
-                      <a:tailEnd type="none" w="med" len="med"/>
-                    </a:lnL>
-                    <a:lnR w="12700" cap="flat" cmpd="sng" algn="ctr">
-                      <a:solidFill>
-                        <a:srgbClr val="1C3D74"/>
-                      </a:solidFill>
-                      <a:prstDash val="solid"/>
-                      <a:round/>
-                      <a:headEnd type="none" w="med" len="med"/>
-                      <a:tailEnd type="none" w="med" len="med"/>
-                    </a:lnR>
-                    <a:lnT w="12700" cap="flat" cmpd="sng" algn="ctr">
-                      <a:solidFill>
-                        <a:srgbClr val="1C3D74"/>
-                      </a:solidFill>
-                      <a:prstDash val="solid"/>
-                      <a:round/>
-                      <a:headEnd type="none" w="med" len="med"/>
-                      <a:tailEnd type="none" w="med" len="med"/>
-                    </a:lnT>
-                    <a:lnB w="12700" cap="flat" cmpd="sng" algn="ctr">
-                      <a:solidFill>
-                        <a:srgbClr val="1C3D74"/>
-                      </a:solidFill>
-                      <a:prstDash val="solid"/>
-                      <a:round/>
-                      <a:headEnd type="none" w="med" len="med"/>
-                      <a:tailEnd type="none" w="med" len="med"/>
-                    </a:lnB>
-                    <a:solidFill>
-                      <a:srgbClr val="1C3D74"/>
-                    </a:solidFill>
-                  </a:tcPr>
-                </a:tc>
-                <a:extLst>
-                  <a:ext uri="{0D108BD9-81ED-4DB2-BD59-A6C34878D82A}">
-                    <a16:rowId xmlns:a16="http://schemas.microsoft.com/office/drawing/2014/main" val="1577180098"/>
-                  </a:ext>
-                </a:extLst>
-              </a:tr>
-              <a:tr h="276586">
-                <a:tc>
-                  <a:txBody>
-                    <a:bodyPr/>
-                    <a:lstStyle/>
-                    <a:p>
-                      <a:pPr algn="ctr"/>
-                      <a:r>
-                        <a:rPr lang="en-US" sz="800" b="0" i="0" dirty="0" err="1">
-                          <a:solidFill>
-                            <a:schemeClr val="tx1"/>
-                          </a:solidFill>
-                          <a:latin typeface="+mj-lt"/>
-                        </a:rPr>
-                        <a:t>xxxxxxxxxx</a:t>
-                      </a:r>
-                      <a:endParaRPr lang="en-US" sz="800" b="0" i="0" dirty="0">
-                        <a:solidFill>
-                          <a:schemeClr val="tx1"/>
-                        </a:solidFill>
-                        <a:latin typeface="+mj-lt"/>
-                      </a:endParaRPr>
-                    </a:p>
-                  </a:txBody>
-                  <a:tcPr marL="32707" marR="32707" marT="49061" marB="49061" anchor="ctr">
-                    <a:lnL w="12700" cap="flat" cmpd="sng" algn="ctr">
-                      <a:solidFill>
-                        <a:srgbClr val="001B71"/>
-                      </a:solidFill>
-                      <a:prstDash val="solid"/>
-                      <a:round/>
-                      <a:headEnd type="none" w="med" len="med"/>
-                      <a:tailEnd type="none" w="med" len="med"/>
-                    </a:lnL>
-                    <a:lnR w="12700" cap="flat" cmpd="sng" algn="ctr">
-                      <a:solidFill>
-                        <a:srgbClr val="1C3D74"/>
-                      </a:solidFill>
-                      <a:prstDash val="solid"/>
-                      <a:round/>
-                      <a:headEnd type="none" w="med" len="med"/>
-                      <a:tailEnd type="none" w="med" len="med"/>
-                    </a:lnR>
-                    <a:lnT w="12700" cap="flat" cmpd="sng" algn="ctr">
-                      <a:solidFill>
-                        <a:srgbClr val="1C3D74"/>
-                      </a:solidFill>
-                      <a:prstDash val="solid"/>
-                      <a:round/>
-                      <a:headEnd type="none" w="med" len="med"/>
-                      <a:tailEnd type="none" w="med" len="med"/>
-                    </a:lnT>
-                    <a:lnB w="12700" cap="flat" cmpd="sng" algn="ctr">
-                      <a:solidFill>
-                        <a:srgbClr val="001B71"/>
-                      </a:solidFill>
-                      <a:prstDash val="solid"/>
-                      <a:round/>
-                      <a:headEnd type="none" w="med" len="med"/>
-                      <a:tailEnd type="none" w="med" len="med"/>
-                    </a:lnB>
-                    <a:solidFill>
-                      <a:schemeClr val="bg1"/>
-                    </a:solidFill>
-                  </a:tcPr>
-                </a:tc>
-                <a:tc>
-                  <a:txBody>
-                    <a:bodyPr/>
-                    <a:lstStyle/>
-                    <a:p>
-                      <a:pPr marL="0" marR="0" lvl="0" indent="0" algn="ctr" defTabSz="914400" rtl="0" eaLnBrk="1" fontAlgn="auto" latinLnBrk="0" hangingPunct="1">
-                        <a:lnSpc>
-                          <a:spcPct val="100000"/>
-                        </a:lnSpc>
-                        <a:spcBef>
-                          <a:spcPts val="0"/>
-                        </a:spcBef>
-                        <a:spcAft>
-                          <a:spcPts val="0"/>
-                        </a:spcAft>
-                        <a:buClrTx/>
-                        <a:buSzTx/>
-                        <a:buFontTx/>
-                        <a:buNone/>
-                        <a:tabLst/>
-                        <a:defRPr/>
-                      </a:pPr>
-                      <a:r>
-                        <a:rPr lang="en-US" sz="800" b="0" i="0" dirty="0" err="1">
-                          <a:solidFill>
-                            <a:schemeClr val="tx1"/>
-                          </a:solidFill>
-                          <a:latin typeface="+mj-lt"/>
-                        </a:rPr>
-                        <a:t>xxxxxxxxxx</a:t>
-                      </a:r>
-                      <a:endParaRPr lang="en-US" sz="800" b="0" i="0" dirty="0">
-                        <a:solidFill>
-                          <a:schemeClr val="tx1"/>
-                        </a:solidFill>
-                        <a:latin typeface="+mj-lt"/>
-                      </a:endParaRPr>
-                    </a:p>
-                  </a:txBody>
-                  <a:tcPr marL="32707" marR="32707" marT="49061" marB="49061" anchor="ctr">
-                    <a:lnL w="12700" cap="flat" cmpd="sng" algn="ctr">
-                      <a:solidFill>
-                        <a:srgbClr val="1C3D74"/>
-                      </a:solidFill>
-                      <a:prstDash val="solid"/>
-                      <a:round/>
-                      <a:headEnd type="none" w="med" len="med"/>
-                      <a:tailEnd type="none" w="med" len="med"/>
-                    </a:lnL>
-                    <a:lnR w="12700" cap="flat" cmpd="sng" algn="ctr">
-                      <a:solidFill>
-                        <a:srgbClr val="1C3D74"/>
-                      </a:solidFill>
-                      <a:prstDash val="solid"/>
-                      <a:round/>
-                      <a:headEnd type="none" w="med" len="med"/>
-                      <a:tailEnd type="none" w="med" len="med"/>
-                    </a:lnR>
-                    <a:lnT w="12700" cap="flat" cmpd="sng" algn="ctr">
-                      <a:solidFill>
-                        <a:srgbClr val="1C3D74"/>
-                      </a:solidFill>
-                      <a:prstDash val="solid"/>
-                      <a:round/>
-                      <a:headEnd type="none" w="med" len="med"/>
-                      <a:tailEnd type="none" w="med" len="med"/>
-                    </a:lnT>
-                    <a:lnB w="12700" cap="flat" cmpd="sng" algn="ctr">
-                      <a:solidFill>
-                        <a:srgbClr val="1C3D74"/>
-                      </a:solidFill>
-                      <a:prstDash val="solid"/>
-                      <a:round/>
-                      <a:headEnd type="none" w="med" len="med"/>
-                      <a:tailEnd type="none" w="med" len="med"/>
-                    </a:lnB>
-                    <a:solidFill>
-                      <a:schemeClr val="bg1"/>
-                    </a:solidFill>
-                  </a:tcPr>
-                </a:tc>
-                <a:tc>
-                  <a:txBody>
-                    <a:bodyPr/>
-                    <a:lstStyle/>
-                    <a:p>
-                      <a:pPr marL="0" marR="0" lvl="0" indent="0" algn="ctr" defTabSz="914400" rtl="0" eaLnBrk="1" fontAlgn="auto" latinLnBrk="0" hangingPunct="1">
-                        <a:lnSpc>
-                          <a:spcPct val="100000"/>
-                        </a:lnSpc>
-                        <a:spcBef>
-                          <a:spcPts val="0"/>
-                        </a:spcBef>
-                        <a:spcAft>
-                          <a:spcPts val="0"/>
-                        </a:spcAft>
-                        <a:buClrTx/>
-                        <a:buSzTx/>
-                        <a:buFontTx/>
-                        <a:buNone/>
-                        <a:tabLst/>
-                        <a:defRPr/>
-                      </a:pPr>
-                      <a:r>
-                        <a:rPr lang="en-US" sz="800" b="0" i="0" dirty="0" err="1">
-                          <a:solidFill>
-                            <a:schemeClr val="tx1"/>
-                          </a:solidFill>
-                          <a:latin typeface="+mj-lt"/>
-                        </a:rPr>
-                        <a:t>xxxxxxxxxx</a:t>
-                      </a:r>
-                      <a:endParaRPr lang="en-US" sz="800" b="0" i="0" dirty="0">
-                        <a:solidFill>
-                          <a:schemeClr val="tx1"/>
-                        </a:solidFill>
-                        <a:latin typeface="+mj-lt"/>
-                      </a:endParaRPr>
-                    </a:p>
-                  </a:txBody>
-                  <a:tcPr marL="32707" marR="32707" marT="49061" marB="49061" anchor="ctr">
-                    <a:lnL w="12700" cap="flat" cmpd="sng" algn="ctr">
-                      <a:solidFill>
-                        <a:srgbClr val="1C3D74"/>
-                      </a:solidFill>
-                      <a:prstDash val="solid"/>
-                      <a:round/>
-                      <a:headEnd type="none" w="med" len="med"/>
-                      <a:tailEnd type="none" w="med" len="med"/>
-                    </a:lnL>
-                    <a:lnR w="12700" cap="flat" cmpd="sng" algn="ctr">
-                      <a:solidFill>
-                        <a:srgbClr val="1C3D74"/>
-                      </a:solidFill>
-                      <a:prstDash val="solid"/>
-                      <a:round/>
-                      <a:headEnd type="none" w="med" len="med"/>
-                      <a:tailEnd type="none" w="med" len="med"/>
-                    </a:lnR>
-                    <a:lnT w="12700" cap="flat" cmpd="sng" algn="ctr">
-                      <a:solidFill>
-                        <a:srgbClr val="1C3D74"/>
-                      </a:solidFill>
-                      <a:prstDash val="solid"/>
-                      <a:round/>
-                      <a:headEnd type="none" w="med" len="med"/>
-                      <a:tailEnd type="none" w="med" len="med"/>
-                    </a:lnT>
-                    <a:lnB w="12700" cap="flat" cmpd="sng" algn="ctr">
-                      <a:solidFill>
-                        <a:srgbClr val="1C3D74"/>
-                      </a:solidFill>
-                      <a:prstDash val="solid"/>
-                      <a:round/>
-                      <a:headEnd type="none" w="med" len="med"/>
-                      <a:tailEnd type="none" w="med" len="med"/>
-                    </a:lnB>
-                    <a:solidFill>
-                      <a:schemeClr val="bg1"/>
-                    </a:solidFill>
-                  </a:tcPr>
-                </a:tc>
-                <a:tc>
-                  <a:txBody>
-                    <a:bodyPr/>
-                    <a:lstStyle/>
-                    <a:p>
-                      <a:pPr marL="0" marR="0" lvl="0" indent="0" algn="ctr" defTabSz="914400" rtl="0" eaLnBrk="1" fontAlgn="auto" latinLnBrk="0" hangingPunct="1">
-                        <a:lnSpc>
-                          <a:spcPct val="100000"/>
-                        </a:lnSpc>
-                        <a:spcBef>
-                          <a:spcPts val="0"/>
-                        </a:spcBef>
-                        <a:spcAft>
-                          <a:spcPts val="0"/>
-                        </a:spcAft>
-                        <a:buClrTx/>
-                        <a:buSzTx/>
-                        <a:buFontTx/>
-                        <a:buNone/>
-                        <a:tabLst/>
-                        <a:defRPr/>
-                      </a:pPr>
-                      <a:r>
-                        <a:rPr lang="en-US" sz="800" b="0" i="0" dirty="0" err="1">
-                          <a:solidFill>
-                            <a:schemeClr val="tx1"/>
-                          </a:solidFill>
-                          <a:latin typeface="+mj-lt"/>
-                        </a:rPr>
-                        <a:t>xxxxxxxxxx</a:t>
-                      </a:r>
-                      <a:endParaRPr lang="en-US" sz="800" b="0" i="0" dirty="0">
-                        <a:solidFill>
-                          <a:schemeClr val="tx1"/>
-                        </a:solidFill>
-                        <a:latin typeface="+mj-lt"/>
-                      </a:endParaRPr>
-                    </a:p>
-                  </a:txBody>
-                  <a:tcPr marL="32707" marR="32707" marT="49061" marB="49061" anchor="ctr">
-                    <a:lnL w="12700" cap="flat" cmpd="sng" algn="ctr">
-                      <a:solidFill>
-                        <a:srgbClr val="1C3D74"/>
-                      </a:solidFill>
-                      <a:prstDash val="solid"/>
-                      <a:round/>
-                      <a:headEnd type="none" w="med" len="med"/>
-                      <a:tailEnd type="none" w="med" len="med"/>
-                    </a:lnL>
-                    <a:lnR w="12700" cap="flat" cmpd="sng" algn="ctr">
-                      <a:solidFill>
-                        <a:srgbClr val="1C3D74"/>
-                      </a:solidFill>
-                      <a:prstDash val="solid"/>
-                      <a:round/>
-                      <a:headEnd type="none" w="med" len="med"/>
-                      <a:tailEnd type="none" w="med" len="med"/>
-                    </a:lnR>
-                    <a:lnT w="12700" cap="flat" cmpd="sng" algn="ctr">
-                      <a:solidFill>
-                        <a:srgbClr val="1C3D74"/>
-                      </a:solidFill>
-                      <a:prstDash val="solid"/>
-                      <a:round/>
-                      <a:headEnd type="none" w="med" len="med"/>
-                      <a:tailEnd type="none" w="med" len="med"/>
-                    </a:lnT>
-                    <a:lnB w="12700" cap="flat" cmpd="sng" algn="ctr">
-                      <a:solidFill>
-                        <a:srgbClr val="1C3D74"/>
-                      </a:solidFill>
-                      <a:prstDash val="solid"/>
-                      <a:round/>
-                      <a:headEnd type="none" w="med" len="med"/>
-                      <a:tailEnd type="none" w="med" len="med"/>
-                    </a:lnB>
-                    <a:solidFill>
-                      <a:schemeClr val="bg1"/>
-                    </a:solidFill>
-                  </a:tcPr>
-                </a:tc>
-                <a:tc>
-                  <a:txBody>
-                    <a:bodyPr/>
-                    <a:lstStyle/>
-                    <a:p>
-                      <a:pPr marL="0" marR="0" lvl="0" indent="0" algn="ctr" defTabSz="914400" rtl="0" eaLnBrk="1" fontAlgn="auto" latinLnBrk="0" hangingPunct="1">
-                        <a:lnSpc>
-                          <a:spcPct val="100000"/>
-                        </a:lnSpc>
-                        <a:spcBef>
-                          <a:spcPts val="0"/>
-                        </a:spcBef>
-                        <a:spcAft>
-                          <a:spcPts val="0"/>
-                        </a:spcAft>
-                        <a:buClrTx/>
-                        <a:buSzTx/>
-                        <a:buFontTx/>
-                        <a:buNone/>
-                        <a:tabLst/>
-                        <a:defRPr/>
-                      </a:pPr>
-                      <a:r>
-                        <a:rPr lang="en-US" sz="800" b="0" i="0" dirty="0" err="1">
-                          <a:solidFill>
-                            <a:schemeClr val="tx1"/>
-                          </a:solidFill>
-                          <a:latin typeface="+mj-lt"/>
-                        </a:rPr>
-                        <a:t>xxxxxxxxxx</a:t>
-                      </a:r>
-                      <a:endParaRPr lang="en-US" sz="800" b="0" i="0" dirty="0">
-                        <a:solidFill>
-                          <a:schemeClr val="tx1"/>
-                        </a:solidFill>
-                        <a:latin typeface="+mj-lt"/>
-                      </a:endParaRPr>
-                    </a:p>
-                  </a:txBody>
-                  <a:tcPr marL="32707" marR="32707" marT="49061" marB="49061" anchor="ctr">
-                    <a:lnL w="12700" cap="flat" cmpd="sng" algn="ctr">
-                      <a:solidFill>
-                        <a:srgbClr val="1C3D74"/>
-                      </a:solidFill>
-                      <a:prstDash val="solid"/>
-                      <a:round/>
-                      <a:headEnd type="none" w="med" len="med"/>
-                      <a:tailEnd type="none" w="med" len="med"/>
-                    </a:lnL>
-                    <a:lnR w="12700" cap="flat" cmpd="sng" algn="ctr">
-                      <a:solidFill>
-                        <a:srgbClr val="1C3D74"/>
-                      </a:solidFill>
-                      <a:prstDash val="solid"/>
-                      <a:round/>
-                      <a:headEnd type="none" w="med" len="med"/>
-                      <a:tailEnd type="none" w="med" len="med"/>
-                    </a:lnR>
-                    <a:lnT w="12700" cap="flat" cmpd="sng" algn="ctr">
-                      <a:solidFill>
-                        <a:srgbClr val="1C3D74"/>
-                      </a:solidFill>
-                      <a:prstDash val="solid"/>
-                      <a:round/>
-                      <a:headEnd type="none" w="med" len="med"/>
-                      <a:tailEnd type="none" w="med" len="med"/>
-                    </a:lnT>
-                    <a:lnB w="12700" cap="flat" cmpd="sng" algn="ctr">
-                      <a:solidFill>
-                        <a:srgbClr val="1C3D74"/>
-                      </a:solidFill>
-                      <a:prstDash val="solid"/>
-                      <a:round/>
-                      <a:headEnd type="none" w="med" len="med"/>
-                      <a:tailEnd type="none" w="med" len="med"/>
-                    </a:lnB>
-                    <a:solidFill>
-                      <a:schemeClr val="bg1"/>
-                    </a:solidFill>
-                  </a:tcPr>
-                </a:tc>
-                <a:tc>
-                  <a:txBody>
-                    <a:bodyPr/>
-                    <a:lstStyle/>
-                    <a:p>
-                      <a:pPr marL="0" marR="0" lvl="0" indent="0" algn="ctr" defTabSz="914400" rtl="0" eaLnBrk="1" fontAlgn="auto" latinLnBrk="0" hangingPunct="1">
-                        <a:lnSpc>
-                          <a:spcPct val="100000"/>
-                        </a:lnSpc>
-                        <a:spcBef>
-                          <a:spcPts val="0"/>
-                        </a:spcBef>
-                        <a:spcAft>
-                          <a:spcPts val="0"/>
-                        </a:spcAft>
-                        <a:buClrTx/>
-                        <a:buSzTx/>
-                        <a:buFontTx/>
-                        <a:buNone/>
-                        <a:tabLst/>
-                        <a:defRPr/>
-                      </a:pPr>
-                      <a:r>
-                        <a:rPr lang="en-US" sz="800" b="0" i="0" dirty="0" err="1">
-                          <a:solidFill>
-                            <a:schemeClr val="tx1"/>
-                          </a:solidFill>
-                          <a:latin typeface="+mj-lt"/>
-                        </a:rPr>
-                        <a:t>xxxxxxxxxx</a:t>
-                      </a:r>
-                      <a:endParaRPr lang="en-US" sz="800" b="0" i="0" dirty="0">
-                        <a:solidFill>
-                          <a:schemeClr val="tx1"/>
-                        </a:solidFill>
-                        <a:latin typeface="+mj-lt"/>
-                      </a:endParaRPr>
-                    </a:p>
-                  </a:txBody>
-                  <a:tcPr marL="32707" marR="32707" marT="49061" marB="49061" anchor="ctr">
-                    <a:lnL w="12700" cap="flat" cmpd="sng" algn="ctr">
-                      <a:solidFill>
-                        <a:srgbClr val="1C3D74"/>
-                      </a:solidFill>
-                      <a:prstDash val="solid"/>
-                      <a:round/>
-                      <a:headEnd type="none" w="med" len="med"/>
-                      <a:tailEnd type="none" w="med" len="med"/>
-                    </a:lnL>
-                    <a:lnR w="12700" cap="flat" cmpd="sng" algn="ctr">
-                      <a:solidFill>
-                        <a:srgbClr val="1C3D74"/>
-                      </a:solidFill>
-                      <a:prstDash val="solid"/>
-                      <a:round/>
-                      <a:headEnd type="none" w="med" len="med"/>
-                      <a:tailEnd type="none" w="med" len="med"/>
-                    </a:lnR>
-                    <a:lnT w="12700" cap="flat" cmpd="sng" algn="ctr">
-                      <a:solidFill>
-                        <a:srgbClr val="1C3D74"/>
-                      </a:solidFill>
-                      <a:prstDash val="solid"/>
-                      <a:round/>
-                      <a:headEnd type="none" w="med" len="med"/>
-                      <a:tailEnd type="none" w="med" len="med"/>
-                    </a:lnT>
-                    <a:lnB w="12700" cap="flat" cmpd="sng" algn="ctr">
-                      <a:solidFill>
-                        <a:srgbClr val="1C3D74"/>
-                      </a:solidFill>
-                      <a:prstDash val="solid"/>
-                      <a:round/>
-                      <a:headEnd type="none" w="med" len="med"/>
-                      <a:tailEnd type="none" w="med" len="med"/>
-                    </a:lnB>
-                    <a:solidFill>
-                      <a:schemeClr val="bg1"/>
-                    </a:solidFill>
-                  </a:tcPr>
-                </a:tc>
-                <a:extLst>
-                  <a:ext uri="{0D108BD9-81ED-4DB2-BD59-A6C34878D82A}">
-                    <a16:rowId xmlns:a16="http://schemas.microsoft.com/office/drawing/2014/main" val="988255196"/>
-                  </a:ext>
-                </a:extLst>
-              </a:tr>
-              <a:tr h="276586">
-                <a:tc>
-                  <a:txBody>
-                    <a:bodyPr/>
-                    <a:lstStyle/>
-                    <a:p>
-                      <a:pPr marL="0" marR="0" lvl="0" indent="0" algn="ctr" defTabSz="914400" rtl="0" eaLnBrk="1" fontAlgn="auto" latinLnBrk="0" hangingPunct="1">
-                        <a:lnSpc>
-                          <a:spcPct val="100000"/>
-                        </a:lnSpc>
-                        <a:spcBef>
-                          <a:spcPts val="0"/>
-                        </a:spcBef>
-                        <a:spcAft>
-                          <a:spcPts val="0"/>
-                        </a:spcAft>
-                        <a:buClrTx/>
-                        <a:buSzTx/>
-                        <a:buFontTx/>
-                        <a:buNone/>
-                        <a:tabLst/>
-                        <a:defRPr/>
-                      </a:pPr>
-                      <a:r>
-                        <a:rPr lang="en-US" sz="800" b="0" i="0" dirty="0" err="1">
-                          <a:solidFill>
-                            <a:schemeClr val="tx1"/>
-                          </a:solidFill>
-                          <a:latin typeface="+mj-lt"/>
-                        </a:rPr>
-                        <a:t>xxxxxxxxxx</a:t>
-                      </a:r>
-                      <a:endParaRPr lang="en-US" sz="800" b="0" i="0" dirty="0">
-                        <a:solidFill>
-                          <a:schemeClr val="tx1"/>
-                        </a:solidFill>
-                        <a:latin typeface="+mj-lt"/>
-                      </a:endParaRPr>
-                    </a:p>
-                  </a:txBody>
-                  <a:tcPr marL="32707" marR="32707" marT="49061" marB="49061" anchor="ctr">
-                    <a:lnL w="12700" cap="flat" cmpd="sng" algn="ctr">
-                      <a:solidFill>
-                        <a:srgbClr val="001B71"/>
-                      </a:solidFill>
-                      <a:prstDash val="solid"/>
-                      <a:round/>
-                      <a:headEnd type="none" w="med" len="med"/>
-                      <a:tailEnd type="none" w="med" len="med"/>
-                    </a:lnL>
-                    <a:lnR w="12700" cap="flat" cmpd="sng" algn="ctr">
-                      <a:solidFill>
-                        <a:srgbClr val="1C3D74"/>
-                      </a:solidFill>
-                      <a:prstDash val="solid"/>
-                      <a:round/>
-                      <a:headEnd type="none" w="med" len="med"/>
-                      <a:tailEnd type="none" w="med" len="med"/>
-                    </a:lnR>
-                    <a:lnT w="12700" cap="flat" cmpd="sng" algn="ctr">
-                      <a:solidFill>
-                        <a:srgbClr val="001B71"/>
-                      </a:solidFill>
-                      <a:prstDash val="solid"/>
-                      <a:round/>
-                      <a:headEnd type="none" w="med" len="med"/>
-                      <a:tailEnd type="none" w="med" len="med"/>
-                    </a:lnT>
-                    <a:lnB w="12700" cap="flat" cmpd="sng" algn="ctr">
-                      <a:solidFill>
-                        <a:srgbClr val="001B71"/>
-                      </a:solidFill>
-                      <a:prstDash val="solid"/>
-                      <a:round/>
-                      <a:headEnd type="none" w="med" len="med"/>
-                      <a:tailEnd type="none" w="med" len="med"/>
-                    </a:lnB>
-                    <a:solidFill>
-                      <a:schemeClr val="bg1"/>
-                    </a:solidFill>
-                  </a:tcPr>
-                </a:tc>
-                <a:tc>
-                  <a:txBody>
-                    <a:bodyPr/>
-                    <a:lstStyle/>
-                    <a:p>
-                      <a:pPr marL="0" marR="0" lvl="0" indent="0" algn="ctr" defTabSz="914400" rtl="0" eaLnBrk="1" fontAlgn="auto" latinLnBrk="0" hangingPunct="1">
-                        <a:lnSpc>
-                          <a:spcPct val="100000"/>
-                        </a:lnSpc>
-                        <a:spcBef>
-                          <a:spcPts val="0"/>
-                        </a:spcBef>
-                        <a:spcAft>
-                          <a:spcPts val="0"/>
-                        </a:spcAft>
-                        <a:buClrTx/>
-                        <a:buSzTx/>
-                        <a:buFontTx/>
-                        <a:buNone/>
-                        <a:tabLst/>
-                        <a:defRPr/>
-                      </a:pPr>
-                      <a:r>
-                        <a:rPr lang="en-US" sz="800" b="0" i="0" dirty="0" err="1">
-                          <a:solidFill>
-                            <a:schemeClr val="tx1"/>
-                          </a:solidFill>
-                          <a:latin typeface="+mj-lt"/>
-                        </a:rPr>
-                        <a:t>xxxxxxxxxx</a:t>
-                      </a:r>
-                      <a:endParaRPr lang="en-US" sz="800" b="0" i="0" dirty="0">
-                        <a:solidFill>
-                          <a:schemeClr val="tx1"/>
-                        </a:solidFill>
-                        <a:latin typeface="+mj-lt"/>
-                      </a:endParaRPr>
-                    </a:p>
-                  </a:txBody>
-                  <a:tcPr marL="32707" marR="32707" marT="49061" marB="49061" anchor="ctr">
-                    <a:lnL w="12700" cap="flat" cmpd="sng" algn="ctr">
-                      <a:solidFill>
-                        <a:srgbClr val="1C3D74"/>
-                      </a:solidFill>
-                      <a:prstDash val="solid"/>
-                      <a:round/>
-                      <a:headEnd type="none" w="med" len="med"/>
-                      <a:tailEnd type="none" w="med" len="med"/>
-                    </a:lnL>
-                    <a:lnR w="12700" cap="flat" cmpd="sng" algn="ctr">
-                      <a:solidFill>
-                        <a:srgbClr val="1C3D74"/>
-                      </a:solidFill>
-                      <a:prstDash val="solid"/>
-                      <a:round/>
-                      <a:headEnd type="none" w="med" len="med"/>
-                      <a:tailEnd type="none" w="med" len="med"/>
-                    </a:lnR>
-                    <a:lnT w="12700" cap="flat" cmpd="sng" algn="ctr">
-                      <a:solidFill>
-                        <a:srgbClr val="1C3D74"/>
-                      </a:solidFill>
-                      <a:prstDash val="solid"/>
-                      <a:round/>
-                      <a:headEnd type="none" w="med" len="med"/>
-                      <a:tailEnd type="none" w="med" len="med"/>
-                    </a:lnT>
-                    <a:lnB w="12700" cap="flat" cmpd="sng" algn="ctr">
-                      <a:solidFill>
-                        <a:srgbClr val="1C3D74"/>
-                      </a:solidFill>
-                      <a:prstDash val="solid"/>
-                      <a:round/>
-                      <a:headEnd type="none" w="med" len="med"/>
-                      <a:tailEnd type="none" w="med" len="med"/>
-                    </a:lnB>
-                    <a:solidFill>
-                      <a:schemeClr val="bg1"/>
-                    </a:solidFill>
-                  </a:tcPr>
-                </a:tc>
-                <a:tc>
-                  <a:txBody>
-                    <a:bodyPr/>
-                    <a:lstStyle/>
-                    <a:p>
-                      <a:pPr marL="0" marR="0" lvl="0" indent="0" algn="ctr" defTabSz="914400" rtl="0" eaLnBrk="1" fontAlgn="auto" latinLnBrk="0" hangingPunct="1">
-                        <a:lnSpc>
-                          <a:spcPct val="100000"/>
-                        </a:lnSpc>
-                        <a:spcBef>
-                          <a:spcPts val="0"/>
-                        </a:spcBef>
-                        <a:spcAft>
-                          <a:spcPts val="0"/>
-                        </a:spcAft>
-                        <a:buClrTx/>
-                        <a:buSzTx/>
-                        <a:buFontTx/>
-                        <a:buNone/>
-                        <a:tabLst/>
-                        <a:defRPr/>
-                      </a:pPr>
-                      <a:r>
-                        <a:rPr lang="en-US" sz="800" b="0" i="0" dirty="0" err="1">
-                          <a:solidFill>
-                            <a:schemeClr val="tx1"/>
-                          </a:solidFill>
-                          <a:latin typeface="+mj-lt"/>
-                        </a:rPr>
-                        <a:t>xxxxxxxxxx</a:t>
-                      </a:r>
-                      <a:endParaRPr lang="en-US" sz="800" b="0" i="0" dirty="0">
-                        <a:solidFill>
-                          <a:schemeClr val="tx1"/>
-                        </a:solidFill>
-                        <a:latin typeface="+mj-lt"/>
-                      </a:endParaRPr>
-                    </a:p>
-                  </a:txBody>
-                  <a:tcPr marL="32707" marR="32707" marT="49061" marB="49061" anchor="ctr">
-                    <a:lnL w="12700" cap="flat" cmpd="sng" algn="ctr">
-                      <a:solidFill>
-                        <a:srgbClr val="1C3D74"/>
-                      </a:solidFill>
-                      <a:prstDash val="solid"/>
-                      <a:round/>
-                      <a:headEnd type="none" w="med" len="med"/>
-                      <a:tailEnd type="none" w="med" len="med"/>
-                    </a:lnL>
-                    <a:lnR w="12700" cap="flat" cmpd="sng" algn="ctr">
-                      <a:solidFill>
-                        <a:srgbClr val="1C3D74"/>
-                      </a:solidFill>
-                      <a:prstDash val="solid"/>
-                      <a:round/>
-                      <a:headEnd type="none" w="med" len="med"/>
-                      <a:tailEnd type="none" w="med" len="med"/>
-                    </a:lnR>
-                    <a:lnT w="12700" cap="flat" cmpd="sng" algn="ctr">
-                      <a:solidFill>
-                        <a:srgbClr val="1C3D74"/>
-                      </a:solidFill>
-                      <a:prstDash val="solid"/>
-                      <a:round/>
-                      <a:headEnd type="none" w="med" len="med"/>
-                      <a:tailEnd type="none" w="med" len="med"/>
-                    </a:lnT>
-                    <a:lnB w="12700" cap="flat" cmpd="sng" algn="ctr">
-                      <a:solidFill>
-                        <a:srgbClr val="1C3D74"/>
-                      </a:solidFill>
-                      <a:prstDash val="solid"/>
-                      <a:round/>
-                      <a:headEnd type="none" w="med" len="med"/>
-                      <a:tailEnd type="none" w="med" len="med"/>
-                    </a:lnB>
-                    <a:solidFill>
-                      <a:schemeClr val="bg1"/>
-                    </a:solidFill>
-                  </a:tcPr>
-                </a:tc>
-                <a:tc>
-                  <a:txBody>
-                    <a:bodyPr/>
-                    <a:lstStyle/>
-                    <a:p>
-                      <a:pPr marL="0" marR="0" lvl="0" indent="0" algn="ctr" defTabSz="914400" rtl="0" eaLnBrk="1" fontAlgn="auto" latinLnBrk="0" hangingPunct="1">
-                        <a:lnSpc>
-                          <a:spcPct val="100000"/>
-                        </a:lnSpc>
-                        <a:spcBef>
-                          <a:spcPts val="0"/>
-                        </a:spcBef>
-                        <a:spcAft>
-                          <a:spcPts val="0"/>
-                        </a:spcAft>
-                        <a:buClrTx/>
-                        <a:buSzTx/>
-                        <a:buFontTx/>
-                        <a:buNone/>
-                        <a:tabLst/>
-                        <a:defRPr/>
-                      </a:pPr>
-                      <a:r>
-                        <a:rPr lang="en-US" sz="800" b="0" i="0" dirty="0" err="1">
-                          <a:solidFill>
-                            <a:schemeClr val="tx1"/>
-                          </a:solidFill>
-                          <a:latin typeface="+mj-lt"/>
-                        </a:rPr>
-                        <a:t>xxxxxxxxxx</a:t>
-                      </a:r>
-                      <a:endParaRPr lang="en-US" sz="800" b="0" i="0" dirty="0">
-                        <a:solidFill>
-                          <a:schemeClr val="tx1"/>
-                        </a:solidFill>
-                        <a:latin typeface="+mj-lt"/>
-                      </a:endParaRPr>
-                    </a:p>
-                  </a:txBody>
-                  <a:tcPr marL="32707" marR="32707" marT="49061" marB="49061" anchor="ctr">
-                    <a:lnL w="12700" cap="flat" cmpd="sng" algn="ctr">
-                      <a:solidFill>
-                        <a:srgbClr val="1C3D74"/>
-                      </a:solidFill>
-                      <a:prstDash val="solid"/>
-                      <a:round/>
-                      <a:headEnd type="none" w="med" len="med"/>
-                      <a:tailEnd type="none" w="med" len="med"/>
-                    </a:lnL>
-                    <a:lnR w="12700" cap="flat" cmpd="sng" algn="ctr">
-                      <a:solidFill>
-                        <a:srgbClr val="1C3D74"/>
-                      </a:solidFill>
-                      <a:prstDash val="solid"/>
-                      <a:round/>
-                      <a:headEnd type="none" w="med" len="med"/>
-                      <a:tailEnd type="none" w="med" len="med"/>
-                    </a:lnR>
-                    <a:lnT w="12700" cap="flat" cmpd="sng" algn="ctr">
-                      <a:solidFill>
-                        <a:srgbClr val="1C3D74"/>
-                      </a:solidFill>
-                      <a:prstDash val="solid"/>
-                      <a:round/>
-                      <a:headEnd type="none" w="med" len="med"/>
-                      <a:tailEnd type="none" w="med" len="med"/>
-                    </a:lnT>
-                    <a:lnB w="12700" cap="flat" cmpd="sng" algn="ctr">
-                      <a:solidFill>
-                        <a:srgbClr val="1C3D74"/>
-                      </a:solidFill>
-                      <a:prstDash val="solid"/>
-                      <a:round/>
-                      <a:headEnd type="none" w="med" len="med"/>
-                      <a:tailEnd type="none" w="med" len="med"/>
-                    </a:lnB>
-                    <a:solidFill>
-                      <a:schemeClr val="bg1"/>
-                    </a:solidFill>
-                  </a:tcPr>
-                </a:tc>
-                <a:tc>
-                  <a:txBody>
-                    <a:bodyPr/>
-                    <a:lstStyle/>
-                    <a:p>
-                      <a:pPr marL="0" marR="0" lvl="0" indent="0" algn="ctr" defTabSz="914400" rtl="0" eaLnBrk="1" fontAlgn="auto" latinLnBrk="0" hangingPunct="1">
-                        <a:lnSpc>
-                          <a:spcPct val="100000"/>
-                        </a:lnSpc>
-                        <a:spcBef>
-                          <a:spcPts val="0"/>
-                        </a:spcBef>
-                        <a:spcAft>
-                          <a:spcPts val="0"/>
-                        </a:spcAft>
-                        <a:buClrTx/>
-                        <a:buSzTx/>
-                        <a:buFontTx/>
-                        <a:buNone/>
-                        <a:tabLst/>
-                        <a:defRPr/>
-                      </a:pPr>
-                      <a:r>
-                        <a:rPr lang="en-US" sz="800" b="0" i="0" dirty="0" err="1">
-                          <a:solidFill>
-                            <a:schemeClr val="tx1"/>
-                          </a:solidFill>
-                          <a:latin typeface="+mj-lt"/>
-                        </a:rPr>
-                        <a:t>xxxxxxxxxx</a:t>
-                      </a:r>
-                      <a:endParaRPr lang="en-US" sz="800" b="0" i="0" dirty="0">
-                        <a:solidFill>
-                          <a:schemeClr val="tx1"/>
-                        </a:solidFill>
-                        <a:latin typeface="+mj-lt"/>
-                      </a:endParaRPr>
-                    </a:p>
-                  </a:txBody>
-                  <a:tcPr marL="32707" marR="32707" marT="49061" marB="49061" anchor="ctr">
-                    <a:lnL w="12700" cap="flat" cmpd="sng" algn="ctr">
-                      <a:solidFill>
-                        <a:srgbClr val="1C3D74"/>
-                      </a:solidFill>
-                      <a:prstDash val="solid"/>
-                      <a:round/>
-                      <a:headEnd type="none" w="med" len="med"/>
-                      <a:tailEnd type="none" w="med" len="med"/>
-                    </a:lnL>
-                    <a:lnR w="12700" cap="flat" cmpd="sng" algn="ctr">
-                      <a:solidFill>
-                        <a:srgbClr val="1C3D74"/>
-                      </a:solidFill>
-                      <a:prstDash val="solid"/>
-                      <a:round/>
-                      <a:headEnd type="none" w="med" len="med"/>
-                      <a:tailEnd type="none" w="med" len="med"/>
-                    </a:lnR>
-                    <a:lnT w="12700" cap="flat" cmpd="sng" algn="ctr">
-                      <a:solidFill>
-                        <a:srgbClr val="1C3D74"/>
-                      </a:solidFill>
-                      <a:prstDash val="solid"/>
-                      <a:round/>
-                      <a:headEnd type="none" w="med" len="med"/>
-                      <a:tailEnd type="none" w="med" len="med"/>
-                    </a:lnT>
-                    <a:lnB w="12700" cap="flat" cmpd="sng" algn="ctr">
-                      <a:solidFill>
-                        <a:srgbClr val="1C3D74"/>
-                      </a:solidFill>
-                      <a:prstDash val="solid"/>
-                      <a:round/>
-                      <a:headEnd type="none" w="med" len="med"/>
-                      <a:tailEnd type="none" w="med" len="med"/>
-                    </a:lnB>
-                    <a:solidFill>
-                      <a:schemeClr val="bg1"/>
-                    </a:solidFill>
-                  </a:tcPr>
-                </a:tc>
-                <a:tc>
-                  <a:txBody>
-                    <a:bodyPr/>
-                    <a:lstStyle/>
-                    <a:p>
-                      <a:pPr marL="0" marR="0" lvl="0" indent="0" algn="ctr" defTabSz="914400" rtl="0" eaLnBrk="1" fontAlgn="auto" latinLnBrk="0" hangingPunct="1">
-                        <a:lnSpc>
-                          <a:spcPct val="100000"/>
-                        </a:lnSpc>
-                        <a:spcBef>
-                          <a:spcPts val="0"/>
-                        </a:spcBef>
-                        <a:spcAft>
-                          <a:spcPts val="0"/>
-                        </a:spcAft>
-                        <a:buClrTx/>
-                        <a:buSzTx/>
-                        <a:buFontTx/>
-                        <a:buNone/>
-                        <a:tabLst/>
-                        <a:defRPr/>
-                      </a:pPr>
-                      <a:r>
-                        <a:rPr lang="en-US" sz="800" b="0" i="0" dirty="0" err="1">
-                          <a:solidFill>
-                            <a:schemeClr val="tx1"/>
-                          </a:solidFill>
-                          <a:latin typeface="+mj-lt"/>
-                        </a:rPr>
-                        <a:t>xxxxxxxxxx</a:t>
-                      </a:r>
-                      <a:endParaRPr lang="en-US" sz="800" b="0" i="0" dirty="0">
-                        <a:solidFill>
-                          <a:schemeClr val="tx1"/>
-                        </a:solidFill>
-                        <a:latin typeface="+mj-lt"/>
-                      </a:endParaRPr>
-                    </a:p>
-                  </a:txBody>
-                  <a:tcPr marL="32707" marR="32707" marT="49061" marB="49061" anchor="ctr">
-                    <a:lnL w="12700" cap="flat" cmpd="sng" algn="ctr">
-                      <a:solidFill>
-                        <a:srgbClr val="1C3D74"/>
-                      </a:solidFill>
-                      <a:prstDash val="solid"/>
-                      <a:round/>
-                      <a:headEnd type="none" w="med" len="med"/>
-                      <a:tailEnd type="none" w="med" len="med"/>
-                    </a:lnL>
-                    <a:lnR w="12700" cap="flat" cmpd="sng" algn="ctr">
-                      <a:solidFill>
-                        <a:srgbClr val="1C3D74"/>
-                      </a:solidFill>
-                      <a:prstDash val="solid"/>
-                      <a:round/>
-                      <a:headEnd type="none" w="med" len="med"/>
-                      <a:tailEnd type="none" w="med" len="med"/>
-                    </a:lnR>
-                    <a:lnT w="12700" cap="flat" cmpd="sng" algn="ctr">
-                      <a:solidFill>
-                        <a:srgbClr val="1C3D74"/>
-                      </a:solidFill>
-                      <a:prstDash val="solid"/>
-                      <a:round/>
-                      <a:headEnd type="none" w="med" len="med"/>
-                      <a:tailEnd type="none" w="med" len="med"/>
-                    </a:lnT>
-                    <a:lnB w="12700" cap="flat" cmpd="sng" algn="ctr">
-                      <a:solidFill>
-                        <a:srgbClr val="1C3D74"/>
-                      </a:solidFill>
-                      <a:prstDash val="solid"/>
-                      <a:round/>
-                      <a:headEnd type="none" w="med" len="med"/>
-                      <a:tailEnd type="none" w="med" len="med"/>
-                    </a:lnB>
-                    <a:solidFill>
-                      <a:schemeClr val="bg1"/>
-                    </a:solidFill>
-                  </a:tcPr>
-                </a:tc>
-                <a:extLst>
-                  <a:ext uri="{0D108BD9-81ED-4DB2-BD59-A6C34878D82A}">
-                    <a16:rowId xmlns:a16="http://schemas.microsoft.com/office/drawing/2014/main" val="3377887121"/>
-                  </a:ext>
-                </a:extLst>
-              </a:tr>
-              <a:tr h="276586">
-                <a:tc>
-                  <a:txBody>
-                    <a:bodyPr/>
-                    <a:lstStyle/>
-                    <a:p>
-                      <a:pPr marL="0" marR="0" lvl="0" indent="0" algn="ctr" defTabSz="914400" rtl="0" eaLnBrk="1" fontAlgn="auto" latinLnBrk="0" hangingPunct="1">
-                        <a:lnSpc>
-                          <a:spcPct val="100000"/>
-                        </a:lnSpc>
-                        <a:spcBef>
-                          <a:spcPts val="0"/>
-                        </a:spcBef>
-                        <a:spcAft>
-                          <a:spcPts val="0"/>
-                        </a:spcAft>
-                        <a:buClrTx/>
-                        <a:buSzTx/>
-                        <a:buFontTx/>
-                        <a:buNone/>
-                        <a:tabLst/>
-                        <a:defRPr/>
-                      </a:pPr>
-                      <a:r>
-                        <a:rPr lang="en-US" sz="800" b="0" i="0" dirty="0" err="1">
-                          <a:solidFill>
-                            <a:schemeClr val="tx1"/>
-                          </a:solidFill>
-                          <a:latin typeface="+mj-lt"/>
-                        </a:rPr>
-                        <a:t>xxxxxxxxxx</a:t>
-                      </a:r>
-                      <a:endParaRPr lang="en-US" sz="800" b="0" i="0" dirty="0">
-                        <a:solidFill>
-                          <a:schemeClr val="tx1"/>
-                        </a:solidFill>
-                        <a:latin typeface="+mj-lt"/>
-                      </a:endParaRPr>
-                    </a:p>
-                  </a:txBody>
-                  <a:tcPr marL="32707" marR="32707" marT="49061" marB="49061" anchor="ctr">
-                    <a:lnL w="12700" cap="flat" cmpd="sng" algn="ctr">
-                      <a:solidFill>
-                        <a:srgbClr val="001B71"/>
-                      </a:solidFill>
-                      <a:prstDash val="solid"/>
-                      <a:round/>
-                      <a:headEnd type="none" w="med" len="med"/>
-                      <a:tailEnd type="none" w="med" len="med"/>
-                    </a:lnL>
-                    <a:lnR w="12700" cap="flat" cmpd="sng" algn="ctr">
-                      <a:solidFill>
-                        <a:srgbClr val="1C3D74"/>
-                      </a:solidFill>
-                      <a:prstDash val="solid"/>
-                      <a:round/>
-                      <a:headEnd type="none" w="med" len="med"/>
-                      <a:tailEnd type="none" w="med" len="med"/>
-                    </a:lnR>
-                    <a:lnT w="12700" cap="flat" cmpd="sng" algn="ctr">
-                      <a:solidFill>
-                        <a:srgbClr val="001B71"/>
-                      </a:solidFill>
-                      <a:prstDash val="solid"/>
-                      <a:round/>
-                      <a:headEnd type="none" w="med" len="med"/>
-                      <a:tailEnd type="none" w="med" len="med"/>
-                    </a:lnT>
-                    <a:lnB w="12700" cap="flat" cmpd="sng" algn="ctr">
-                      <a:solidFill>
-                        <a:srgbClr val="001B71"/>
-                      </a:solidFill>
-                      <a:prstDash val="solid"/>
-                      <a:round/>
-                      <a:headEnd type="none" w="med" len="med"/>
-                      <a:tailEnd type="none" w="med" len="med"/>
-                    </a:lnB>
-                    <a:solidFill>
-                      <a:schemeClr val="bg1"/>
-                    </a:solidFill>
-                  </a:tcPr>
-                </a:tc>
-                <a:tc>
-                  <a:txBody>
-                    <a:bodyPr/>
-                    <a:lstStyle/>
-                    <a:p>
-                      <a:pPr marL="0" marR="0" lvl="0" indent="0" algn="ctr" defTabSz="914400" rtl="0" eaLnBrk="1" fontAlgn="auto" latinLnBrk="0" hangingPunct="1">
-                        <a:lnSpc>
-                          <a:spcPct val="100000"/>
-                        </a:lnSpc>
-                        <a:spcBef>
-                          <a:spcPts val="0"/>
-                        </a:spcBef>
-                        <a:spcAft>
-                          <a:spcPts val="0"/>
-                        </a:spcAft>
-                        <a:buClrTx/>
-                        <a:buSzTx/>
-                        <a:buFontTx/>
-                        <a:buNone/>
-                        <a:tabLst/>
-                        <a:defRPr/>
-                      </a:pPr>
-                      <a:r>
-                        <a:rPr lang="en-US" sz="800" b="0" i="0" dirty="0" err="1">
-                          <a:solidFill>
-                            <a:schemeClr val="tx1"/>
-                          </a:solidFill>
-                          <a:latin typeface="+mj-lt"/>
-                        </a:rPr>
-                        <a:t>xxxxxxxxxx</a:t>
-                      </a:r>
-                      <a:endParaRPr lang="en-US" sz="800" b="0" i="0" dirty="0">
-                        <a:solidFill>
-                          <a:schemeClr val="tx1"/>
-                        </a:solidFill>
-                        <a:latin typeface="+mj-lt"/>
-                      </a:endParaRPr>
-                    </a:p>
-                  </a:txBody>
-                  <a:tcPr marL="32707" marR="32707" marT="49061" marB="49061" anchor="ctr">
-                    <a:lnL w="12700" cap="flat" cmpd="sng" algn="ctr">
-                      <a:solidFill>
-                        <a:srgbClr val="1C3D74"/>
-                      </a:solidFill>
-                      <a:prstDash val="solid"/>
-                      <a:round/>
-                      <a:headEnd type="none" w="med" len="med"/>
-                      <a:tailEnd type="none" w="med" len="med"/>
-                    </a:lnL>
-                    <a:lnR w="12700" cap="flat" cmpd="sng" algn="ctr">
-                      <a:solidFill>
-                        <a:srgbClr val="1C3D74"/>
-                      </a:solidFill>
-                      <a:prstDash val="solid"/>
-                      <a:round/>
-                      <a:headEnd type="none" w="med" len="med"/>
-                      <a:tailEnd type="none" w="med" len="med"/>
-                    </a:lnR>
-                    <a:lnT w="12700" cap="flat" cmpd="sng" algn="ctr">
-                      <a:solidFill>
-                        <a:srgbClr val="1C3D74"/>
-                      </a:solidFill>
-                      <a:prstDash val="solid"/>
-                      <a:round/>
-                      <a:headEnd type="none" w="med" len="med"/>
-                      <a:tailEnd type="none" w="med" len="med"/>
-                    </a:lnT>
-                    <a:lnB w="12700" cap="flat" cmpd="sng" algn="ctr">
-                      <a:solidFill>
-                        <a:srgbClr val="1C3D74"/>
-                      </a:solidFill>
-                      <a:prstDash val="solid"/>
-                      <a:round/>
-                      <a:headEnd type="none" w="med" len="med"/>
-                      <a:tailEnd type="none" w="med" len="med"/>
-                    </a:lnB>
-                    <a:solidFill>
-                      <a:schemeClr val="bg1"/>
-                    </a:solidFill>
-                  </a:tcPr>
-                </a:tc>
-                <a:tc>
-                  <a:txBody>
-                    <a:bodyPr/>
-                    <a:lstStyle/>
-                    <a:p>
-                      <a:pPr marL="0" marR="0" lvl="0" indent="0" algn="ctr" defTabSz="914400" rtl="0" eaLnBrk="1" fontAlgn="auto" latinLnBrk="0" hangingPunct="1">
-                        <a:lnSpc>
-                          <a:spcPct val="100000"/>
-                        </a:lnSpc>
-                        <a:spcBef>
-                          <a:spcPts val="0"/>
-                        </a:spcBef>
-                        <a:spcAft>
-                          <a:spcPts val="0"/>
-                        </a:spcAft>
-                        <a:buClrTx/>
-                        <a:buSzTx/>
-                        <a:buFontTx/>
-                        <a:buNone/>
-                        <a:tabLst/>
-                        <a:defRPr/>
-                      </a:pPr>
-                      <a:r>
-                        <a:rPr lang="en-US" sz="800" b="0" i="0" dirty="0" err="1">
-                          <a:solidFill>
-                            <a:schemeClr val="tx1"/>
-                          </a:solidFill>
-                          <a:latin typeface="+mj-lt"/>
-                        </a:rPr>
-                        <a:t>xxxxxxxxxx</a:t>
-                      </a:r>
-                      <a:endParaRPr lang="en-US" sz="800" b="0" i="0" dirty="0">
-                        <a:solidFill>
-                          <a:schemeClr val="tx1"/>
-                        </a:solidFill>
-                        <a:latin typeface="+mj-lt"/>
-                      </a:endParaRPr>
-                    </a:p>
-                  </a:txBody>
-                  <a:tcPr marL="32707" marR="32707" marT="49061" marB="49061" anchor="ctr">
-                    <a:lnL w="12700" cap="flat" cmpd="sng" algn="ctr">
-                      <a:solidFill>
-                        <a:srgbClr val="1C3D74"/>
-                      </a:solidFill>
-                      <a:prstDash val="solid"/>
-                      <a:round/>
-                      <a:headEnd type="none" w="med" len="med"/>
-                      <a:tailEnd type="none" w="med" len="med"/>
-                    </a:lnL>
-                    <a:lnR w="12700" cap="flat" cmpd="sng" algn="ctr">
-                      <a:solidFill>
-                        <a:srgbClr val="1C3D74"/>
-                      </a:solidFill>
-                      <a:prstDash val="solid"/>
-                      <a:round/>
-                      <a:headEnd type="none" w="med" len="med"/>
-                      <a:tailEnd type="none" w="med" len="med"/>
-                    </a:lnR>
-                    <a:lnT w="12700" cap="flat" cmpd="sng" algn="ctr">
-                      <a:solidFill>
-                        <a:srgbClr val="1C3D74"/>
-                      </a:solidFill>
-                      <a:prstDash val="solid"/>
-                      <a:round/>
-                      <a:headEnd type="none" w="med" len="med"/>
-                      <a:tailEnd type="none" w="med" len="med"/>
-                    </a:lnT>
-                    <a:lnB w="12700" cap="flat" cmpd="sng" algn="ctr">
-                      <a:solidFill>
-                        <a:srgbClr val="1C3D74"/>
-                      </a:solidFill>
-                      <a:prstDash val="solid"/>
-                      <a:round/>
-                      <a:headEnd type="none" w="med" len="med"/>
-                      <a:tailEnd type="none" w="med" len="med"/>
-                    </a:lnB>
-                    <a:solidFill>
-                      <a:schemeClr val="bg1"/>
-                    </a:solidFill>
-                  </a:tcPr>
-                </a:tc>
-                <a:tc>
-                  <a:txBody>
-                    <a:bodyPr/>
-                    <a:lstStyle/>
-                    <a:p>
-                      <a:pPr marL="0" marR="0" lvl="0" indent="0" algn="ctr" defTabSz="914400" rtl="0" eaLnBrk="1" fontAlgn="auto" latinLnBrk="0" hangingPunct="1">
-                        <a:lnSpc>
-                          <a:spcPct val="100000"/>
-                        </a:lnSpc>
-                        <a:spcBef>
-                          <a:spcPts val="0"/>
-                        </a:spcBef>
-                        <a:spcAft>
-                          <a:spcPts val="0"/>
-                        </a:spcAft>
-                        <a:buClrTx/>
-                        <a:buSzTx/>
-                        <a:buFontTx/>
-                        <a:buNone/>
-                        <a:tabLst/>
-                        <a:defRPr/>
-                      </a:pPr>
-                      <a:r>
-                        <a:rPr lang="en-US" sz="800" b="0" i="0" dirty="0" err="1">
-                          <a:solidFill>
-                            <a:schemeClr val="tx1"/>
-                          </a:solidFill>
-                          <a:latin typeface="+mj-lt"/>
-                        </a:rPr>
-                        <a:t>xxxxxxxxxx</a:t>
-                      </a:r>
-                      <a:endParaRPr lang="en-US" sz="800" b="0" i="0" dirty="0">
-                        <a:solidFill>
-                          <a:schemeClr val="tx1"/>
-                        </a:solidFill>
-                        <a:latin typeface="+mj-lt"/>
-                      </a:endParaRPr>
-                    </a:p>
-                  </a:txBody>
-                  <a:tcPr marL="32707" marR="32707" marT="49061" marB="49061" anchor="ctr">
-                    <a:lnL w="12700" cap="flat" cmpd="sng" algn="ctr">
-                      <a:solidFill>
-                        <a:srgbClr val="1C3D74"/>
-                      </a:solidFill>
-                      <a:prstDash val="solid"/>
-                      <a:round/>
-                      <a:headEnd type="none" w="med" len="med"/>
-                      <a:tailEnd type="none" w="med" len="med"/>
-                    </a:lnL>
-                    <a:lnR w="12700" cap="flat" cmpd="sng" algn="ctr">
-                      <a:solidFill>
-                        <a:srgbClr val="1C3D74"/>
-                      </a:solidFill>
-                      <a:prstDash val="solid"/>
-                      <a:round/>
-                      <a:headEnd type="none" w="med" len="med"/>
-                      <a:tailEnd type="none" w="med" len="med"/>
-                    </a:lnR>
-                    <a:lnT w="12700" cap="flat" cmpd="sng" algn="ctr">
-                      <a:solidFill>
-                        <a:srgbClr val="1C3D74"/>
-                      </a:solidFill>
-                      <a:prstDash val="solid"/>
-                      <a:round/>
-                      <a:headEnd type="none" w="med" len="med"/>
-                      <a:tailEnd type="none" w="med" len="med"/>
-                    </a:lnT>
-                    <a:lnB w="12700" cap="flat" cmpd="sng" algn="ctr">
-                      <a:solidFill>
-                        <a:srgbClr val="1C3D74"/>
-                      </a:solidFill>
-                      <a:prstDash val="solid"/>
-                      <a:round/>
-                      <a:headEnd type="none" w="med" len="med"/>
-                      <a:tailEnd type="none" w="med" len="med"/>
-                    </a:lnB>
-                    <a:solidFill>
-                      <a:schemeClr val="bg1"/>
-                    </a:solidFill>
-                  </a:tcPr>
-                </a:tc>
-                <a:tc>
-                  <a:txBody>
-                    <a:bodyPr/>
-                    <a:lstStyle/>
-                    <a:p>
-                      <a:pPr marL="0" marR="0" lvl="0" indent="0" algn="ctr" defTabSz="914400" rtl="0" eaLnBrk="1" fontAlgn="auto" latinLnBrk="0" hangingPunct="1">
-                        <a:lnSpc>
-                          <a:spcPct val="100000"/>
-                        </a:lnSpc>
-                        <a:spcBef>
-                          <a:spcPts val="0"/>
-                        </a:spcBef>
-                        <a:spcAft>
-                          <a:spcPts val="0"/>
-                        </a:spcAft>
-                        <a:buClrTx/>
-                        <a:buSzTx/>
-                        <a:buFontTx/>
-                        <a:buNone/>
-                        <a:tabLst/>
-                        <a:defRPr/>
-                      </a:pPr>
-                      <a:r>
-                        <a:rPr lang="en-US" sz="800" b="0" i="0" dirty="0" err="1">
-                          <a:solidFill>
-                            <a:schemeClr val="tx1"/>
-                          </a:solidFill>
-                          <a:latin typeface="+mj-lt"/>
-                        </a:rPr>
-                        <a:t>xxxxxxxxxx</a:t>
-                      </a:r>
-                      <a:endParaRPr lang="en-US" sz="800" b="0" i="0" dirty="0">
-                        <a:solidFill>
-                          <a:schemeClr val="tx1"/>
-                        </a:solidFill>
-                        <a:latin typeface="+mj-lt"/>
-                      </a:endParaRPr>
-                    </a:p>
-                  </a:txBody>
-                  <a:tcPr marL="32707" marR="32707" marT="49061" marB="49061" anchor="ctr">
-                    <a:lnL w="12700" cap="flat" cmpd="sng" algn="ctr">
-                      <a:solidFill>
-                        <a:srgbClr val="1C3D74"/>
-                      </a:solidFill>
-                      <a:prstDash val="solid"/>
-                      <a:round/>
-                      <a:headEnd type="none" w="med" len="med"/>
-                      <a:tailEnd type="none" w="med" len="med"/>
-                    </a:lnL>
-                    <a:lnR w="12700" cap="flat" cmpd="sng" algn="ctr">
-                      <a:solidFill>
-                        <a:srgbClr val="1C3D74"/>
-                      </a:solidFill>
-                      <a:prstDash val="solid"/>
-                      <a:round/>
-                      <a:headEnd type="none" w="med" len="med"/>
-                      <a:tailEnd type="none" w="med" len="med"/>
-                    </a:lnR>
-                    <a:lnT w="12700" cap="flat" cmpd="sng" algn="ctr">
-                      <a:solidFill>
-                        <a:srgbClr val="1C3D74"/>
-                      </a:solidFill>
-                      <a:prstDash val="solid"/>
-                      <a:round/>
-                      <a:headEnd type="none" w="med" len="med"/>
-                      <a:tailEnd type="none" w="med" len="med"/>
-                    </a:lnT>
-                    <a:lnB w="12700" cap="flat" cmpd="sng" algn="ctr">
-                      <a:solidFill>
-                        <a:srgbClr val="1C3D74"/>
-                      </a:solidFill>
-                      <a:prstDash val="solid"/>
-                      <a:round/>
-                      <a:headEnd type="none" w="med" len="med"/>
-                      <a:tailEnd type="none" w="med" len="med"/>
-                    </a:lnB>
-                    <a:solidFill>
-                      <a:schemeClr val="bg1"/>
-                    </a:solidFill>
-                  </a:tcPr>
-                </a:tc>
-                <a:tc>
-                  <a:txBody>
-                    <a:bodyPr/>
-                    <a:lstStyle/>
-                    <a:p>
-                      <a:pPr algn="ctr"/>
-                      <a:r>
-                        <a:rPr lang="en-US" sz="800" b="0" i="0" dirty="0" err="1">
-                          <a:solidFill>
-                            <a:schemeClr val="tx1"/>
-                          </a:solidFill>
-                          <a:latin typeface="+mj-lt"/>
-                        </a:rPr>
-                        <a:t>xxxxxxxxxx</a:t>
-                      </a:r>
-                      <a:endParaRPr lang="en-US" sz="800" b="0" i="0" dirty="0">
-                        <a:solidFill>
-                          <a:schemeClr val="tx1"/>
-                        </a:solidFill>
-                        <a:latin typeface="+mj-lt"/>
-                      </a:endParaRPr>
-                    </a:p>
-                  </a:txBody>
-                  <a:tcPr marL="32707" marR="32707" marT="49061" marB="49061" anchor="ctr">
-                    <a:lnL w="12700" cap="flat" cmpd="sng" algn="ctr">
-                      <a:solidFill>
-                        <a:srgbClr val="1C3D74"/>
-                      </a:solidFill>
-                      <a:prstDash val="solid"/>
-                      <a:round/>
-                      <a:headEnd type="none" w="med" len="med"/>
-                      <a:tailEnd type="none" w="med" len="med"/>
-                    </a:lnL>
-                    <a:lnR w="12700" cap="flat" cmpd="sng" algn="ctr">
-                      <a:solidFill>
-                        <a:srgbClr val="1C3D74"/>
-                      </a:solidFill>
-                      <a:prstDash val="solid"/>
-                      <a:round/>
-                      <a:headEnd type="none" w="med" len="med"/>
-                      <a:tailEnd type="none" w="med" len="med"/>
-                    </a:lnR>
-                    <a:lnT w="12700" cap="flat" cmpd="sng" algn="ctr">
-                      <a:solidFill>
-                        <a:srgbClr val="1C3D74"/>
-                      </a:solidFill>
-                      <a:prstDash val="solid"/>
-                      <a:round/>
-                      <a:headEnd type="none" w="med" len="med"/>
-                      <a:tailEnd type="none" w="med" len="med"/>
-                    </a:lnT>
-                    <a:lnB w="12700" cap="flat" cmpd="sng" algn="ctr">
-                      <a:solidFill>
-                        <a:srgbClr val="1C3D74"/>
-                      </a:solidFill>
-                      <a:prstDash val="solid"/>
-                      <a:round/>
-                      <a:headEnd type="none" w="med" len="med"/>
-                      <a:tailEnd type="none" w="med" len="med"/>
-                    </a:lnB>
-                    <a:solidFill>
-                      <a:schemeClr val="bg1"/>
-                    </a:solidFill>
-                  </a:tcPr>
-                </a:tc>
-                <a:extLst>
-                  <a:ext uri="{0D108BD9-81ED-4DB2-BD59-A6C34878D82A}">
-                    <a16:rowId xmlns:a16="http://schemas.microsoft.com/office/drawing/2014/main" val="2157991891"/>
-                  </a:ext>
-                </a:extLst>
-              </a:tr>
-            </a:tbl>
-          </a:graphicData>
-        </a:graphic>
-      </p:graphicFrame>
+          <p:cNvPicPr>
+            <a:picLocks noChangeAspect="1"/>
+          </p:cNvPicPr>
+          <p:nvPr/>
+        </p:nvPicPr>
+        <p:blipFill>
+          <a:blip r:embed="rId4"/>
+          <a:stretch>
+            <a:fillRect/>
+          </a:stretch>
+        </p:blipFill>
+        <p:spPr>
+          <a:xfrm>
+            <a:off x="5779140" y="512282"/>
+            <a:ext cx="781050" cy="371475"/>
+          </a:xfrm>
+          <a:prstGeom prst="rect">
+            <a:avLst/>
+          </a:prstGeom>
+        </p:spPr>
+      </p:pic>
       <p:sp>
         <p:nvSpPr>
-          <p:cNvPr id="5" name="TextBox 4">
+          <p:cNvPr id="12" name="TextBox 11">
             <a:extLst>
               <a:ext uri="{FF2B5EF4-FFF2-40B4-BE49-F238E27FC236}">
-                <a16:creationId xmlns:a16="http://schemas.microsoft.com/office/drawing/2014/main" id="{D9518F1C-06FF-32F8-0234-9E93E97619FD}"/>
+                <a16:creationId xmlns:a16="http://schemas.microsoft.com/office/drawing/2014/main" id="{5097F21B-3D30-FFD9-D019-FF75AD7E91EF}"/>
               </a:ext>
             </a:extLst>
           </p:cNvPr>
@@ -21496,8 +19058,90 @@
         </p:nvSpPr>
         <p:spPr>
           <a:xfrm>
-            <a:off x="8276455" y="32357"/>
-            <a:ext cx="644728" cy="461665"/>
+            <a:off x="6727287" y="1014822"/>
+            <a:ext cx="2091698" cy="369332"/>
+          </a:xfrm>
+          <a:prstGeom prst="rect">
+            <a:avLst/>
+          </a:prstGeom>
+          <a:solidFill>
+            <a:schemeClr val="bg1"/>
+          </a:solidFill>
+        </p:spPr>
+        <p:txBody>
+          <a:bodyPr wrap="square" rtlCol="0">
+            <a:spAutoFit/>
+          </a:bodyPr>
+          <a:lstStyle/>
+          <a:p>
+            <a:pPr algn="ctr"/>
+            <a:r>
+              <a:rPr lang="en-US" sz="900" b="1" dirty="0"/>
+              <a:t>‘</a:t>
+            </a:r>
+            <a:r>
+              <a:rPr lang="en-US" sz="900" b="1" i="1" dirty="0"/>
+              <a:t>Government policies affecting technology investments’</a:t>
+            </a:r>
+            <a:endParaRPr lang="en-GB" sz="900" b="1" i="1" dirty="0"/>
+          </a:p>
+        </p:txBody>
+      </p:sp>
+      <p:sp>
+        <p:nvSpPr>
+          <p:cNvPr id="13" name="TextBox 12">
+            <a:extLst>
+              <a:ext uri="{FF2B5EF4-FFF2-40B4-BE49-F238E27FC236}">
+                <a16:creationId xmlns:a16="http://schemas.microsoft.com/office/drawing/2014/main" id="{6B15056E-4CBE-D7F0-C79B-794030A7A16B}"/>
+              </a:ext>
+            </a:extLst>
+          </p:cNvPr>
+          <p:cNvSpPr txBox="1"/>
+          <p:nvPr/>
+        </p:nvSpPr>
+        <p:spPr>
+          <a:xfrm>
+            <a:off x="6737699" y="2771281"/>
+            <a:ext cx="1764081" cy="230832"/>
+          </a:xfrm>
+          <a:prstGeom prst="rect">
+            <a:avLst/>
+          </a:prstGeom>
+          <a:solidFill>
+            <a:schemeClr val="bg1"/>
+          </a:solidFill>
+        </p:spPr>
+        <p:txBody>
+          <a:bodyPr wrap="square" rtlCol="0">
+            <a:spAutoFit/>
+          </a:bodyPr>
+          <a:lstStyle/>
+          <a:p>
+            <a:pPr algn="ctr"/>
+            <a:r>
+              <a:rPr lang="en-US" sz="900" b="1" i="1" dirty="0"/>
+              <a:t>‘The rise of computer power’</a:t>
+            </a:r>
+            <a:endParaRPr lang="en-GB" sz="900" b="1" i="1" dirty="0"/>
+          </a:p>
+        </p:txBody>
+      </p:sp>
+      <p:sp>
+        <p:nvSpPr>
+          <p:cNvPr id="14" name="TextBox 13">
+            <a:extLst>
+              <a:ext uri="{FF2B5EF4-FFF2-40B4-BE49-F238E27FC236}">
+                <a16:creationId xmlns:a16="http://schemas.microsoft.com/office/drawing/2014/main" id="{D3973357-22B3-5F5D-F150-C95C37F23AE0}"/>
+              </a:ext>
+            </a:extLst>
+          </p:cNvPr>
+          <p:cNvSpPr txBox="1"/>
+          <p:nvPr/>
+        </p:nvSpPr>
+        <p:spPr>
+          <a:xfrm>
+            <a:off x="6727286" y="3120614"/>
+            <a:ext cx="2091698" cy="938719"/>
           </a:xfrm>
           <a:prstGeom prst="rect">
             <a:avLst/>
@@ -21505,26 +19149,59 @@
           <a:noFill/>
         </p:spPr>
         <p:txBody>
-          <a:bodyPr wrap="none" rtlCol="0">
+          <a:bodyPr wrap="square" rtlCol="0">
             <a:spAutoFit/>
           </a:bodyPr>
           <a:lstStyle/>
           <a:p>
             <a:r>
-              <a:rPr lang="en-GB" sz="2400" b="1" dirty="0">
-                <a:solidFill>
-                  <a:srgbClr val="FF0000"/>
-                </a:solidFill>
-              </a:rPr>
-              <a:t>Li?</a:t>
-            </a:r>
+              <a:rPr lang="en-US" sz="1100" dirty="0"/>
+              <a:t>Although this query is also thematic, several relevant articles had ‘computer’ in the title. Therefore, BM25F outperformed where w0 &gt; w1.</a:t>
+            </a:r>
+            <a:endParaRPr lang="en-GB" sz="1100" dirty="0"/>
+          </a:p>
+        </p:txBody>
+      </p:sp>
+      <p:sp>
+        <p:nvSpPr>
+          <p:cNvPr id="15" name="TextBox 14">
+            <a:extLst>
+              <a:ext uri="{FF2B5EF4-FFF2-40B4-BE49-F238E27FC236}">
+                <a16:creationId xmlns:a16="http://schemas.microsoft.com/office/drawing/2014/main" id="{9FD5740D-544F-D6FB-0CC8-729AAE8EEB76}"/>
+              </a:ext>
+            </a:extLst>
+          </p:cNvPr>
+          <p:cNvSpPr txBox="1"/>
+          <p:nvPr/>
+        </p:nvSpPr>
+        <p:spPr>
+          <a:xfrm>
+            <a:off x="6727287" y="1428553"/>
+            <a:ext cx="1977399" cy="938719"/>
+          </a:xfrm>
+          <a:prstGeom prst="rect">
+            <a:avLst/>
+          </a:prstGeom>
+          <a:noFill/>
+        </p:spPr>
+        <p:txBody>
+          <a:bodyPr wrap="square" rtlCol="0">
+            <a:spAutoFit/>
+          </a:bodyPr>
+          <a:lstStyle/>
+          <a:p>
+            <a:r>
+              <a:rPr lang="en-US" sz="1100" dirty="0"/>
+              <a:t>The general theme of this query suits a search weighted to article content. Therefore BM25F performs better when w0 &lt; w1.</a:t>
+            </a:r>
+            <a:endParaRPr lang="en-GB" sz="1100" dirty="0"/>
           </a:p>
         </p:txBody>
       </p:sp>
     </p:spTree>
     <p:extLst>
       <p:ext uri="{BB962C8B-B14F-4D97-AF65-F5344CB8AC3E}">
-        <p14:creationId xmlns:p14="http://schemas.microsoft.com/office/powerpoint/2010/main" val="993417536"/>
+        <p14:creationId xmlns:p14="http://schemas.microsoft.com/office/powerpoint/2010/main" val="158869246"/>
       </p:ext>
     </p:extLst>
   </p:cSld>
@@ -21609,77 +19286,80 @@
               <a:defRPr/>
             </a:pPr>
             <a:r>
-              <a:rPr kumimoji="0" lang="en-GB" sz="2500" b="1" i="0" u="none" strike="noStrike" kern="1200" cap="none" spc="0" normalizeH="0" baseline="0" noProof="0" dirty="0">
-                <a:ln>
-                  <a:noFill/>
-                </a:ln>
+              <a:rPr lang="en-GB" sz="2500" b="1" dirty="0" err="1">
                 <a:solidFill>
                   <a:srgbClr val="1C3D74"/>
                 </a:solidFill>
-                <a:effectLst/>
-                <a:uLnTx/>
-                <a:uFillTx/>
                 <a:latin typeface="Arial" panose="020B0604020202020204" pitchFamily="34" charset="0"/>
                 <a:ea typeface="+mn-ea"/>
                 <a:cs typeface="Arial" panose="020B0604020202020204" pitchFamily="34" charset="0"/>
               </a:rPr>
-              <a:t>Conclusions</a:t>
-            </a:r>
+              <a:t>Github</a:t>
+            </a:r>
+            <a:r>
+              <a:rPr lang="en-GB" sz="2500" b="1" dirty="0">
+                <a:solidFill>
+                  <a:srgbClr val="1C3D74"/>
+                </a:solidFill>
+                <a:latin typeface="Arial" panose="020B0604020202020204" pitchFamily="34" charset="0"/>
+                <a:ea typeface="+mn-ea"/>
+                <a:cs typeface="Arial" panose="020B0604020202020204" pitchFamily="34" charset="0"/>
+              </a:rPr>
+              <a:t> repository structure</a:t>
+            </a:r>
+            <a:endParaRPr kumimoji="0" lang="en-GB" sz="2500" b="1" i="0" u="none" strike="noStrike" kern="1200" cap="none" spc="0" normalizeH="0" baseline="0" noProof="0" dirty="0">
+              <a:ln>
+                <a:noFill/>
+              </a:ln>
+              <a:solidFill>
+                <a:srgbClr val="1C3D74"/>
+              </a:solidFill>
+              <a:effectLst/>
+              <a:uLnTx/>
+              <a:uFillTx/>
+              <a:latin typeface="Arial" panose="020B0604020202020204" pitchFamily="34" charset="0"/>
+              <a:ea typeface="+mn-ea"/>
+              <a:cs typeface="Arial" panose="020B0604020202020204" pitchFamily="34" charset="0"/>
+            </a:endParaRPr>
           </a:p>
         </p:txBody>
       </p:sp>
-      <p:sp>
-        <p:nvSpPr>
-          <p:cNvPr id="5" name="Text Placeholder 4">
+      <p:pic>
+        <p:nvPicPr>
+          <p:cNvPr id="21" name="Picture 20">
             <a:extLst>
               <a:ext uri="{FF2B5EF4-FFF2-40B4-BE49-F238E27FC236}">
-                <a16:creationId xmlns:a16="http://schemas.microsoft.com/office/drawing/2014/main" id="{CAE6F2D1-B063-8E0F-2F14-6E56CC9AF27C}"/>
+                <a16:creationId xmlns:a16="http://schemas.microsoft.com/office/drawing/2014/main" id="{AFA65D9E-C0AC-4D23-3CAB-E4801E21CD46}"/>
               </a:ext>
             </a:extLst>
           </p:cNvPr>
-          <p:cNvSpPr>
-            <a:spLocks noGrp="1"/>
-          </p:cNvSpPr>
-          <p:nvPr>
-            <p:ph type="body" sz="quarter" idx="13"/>
-          </p:nvPr>
-        </p:nvSpPr>
-        <p:spPr/>
-        <p:txBody>
-          <a:bodyPr/>
-          <a:lstStyle/>
-          <a:p>
-            <a:r>
-              <a:rPr lang="en-GB" dirty="0"/>
-              <a:t>What was better – BM25 or BM25F?</a:t>
-            </a:r>
-          </a:p>
-          <a:p>
-            <a:r>
-              <a:rPr lang="en-GB" dirty="0"/>
-              <a:t>Embedding (if relevant)</a:t>
-            </a:r>
-          </a:p>
-          <a:p>
-            <a:r>
-              <a:rPr lang="en-GB" dirty="0"/>
-              <a:t>Use of LLM to score relevance – pros, cons?</a:t>
-            </a:r>
-          </a:p>
-          <a:p>
-            <a:r>
-              <a:rPr lang="en-GB" dirty="0"/>
-              <a:t>Follow up areas for analysis</a:t>
-            </a:r>
-          </a:p>
-        </p:txBody>
-      </p:sp>
+          <p:cNvPicPr>
+            <a:picLocks noChangeAspect="1"/>
+          </p:cNvPicPr>
+          <p:nvPr/>
+        </p:nvPicPr>
+        <p:blipFill>
+          <a:blip r:embed="rId2"/>
+          <a:stretch>
+            <a:fillRect/>
+          </a:stretch>
+        </p:blipFill>
+        <p:spPr>
+          <a:xfrm>
+            <a:off x="68220" y="780584"/>
+            <a:ext cx="4052456" cy="4291376"/>
+          </a:xfrm>
+          <a:prstGeom prst="rect">
+            <a:avLst/>
+          </a:prstGeom>
+        </p:spPr>
+      </p:pic>
       <p:sp>
         <p:nvSpPr>
-          <p:cNvPr id="7" name="TextBox 6">
+          <p:cNvPr id="22" name="TextBox 21">
             <a:extLst>
               <a:ext uri="{FF2B5EF4-FFF2-40B4-BE49-F238E27FC236}">
-                <a16:creationId xmlns:a16="http://schemas.microsoft.com/office/drawing/2014/main" id="{523B9A22-A9C0-F289-AEDC-B582DF6388E4}"/>
+                <a16:creationId xmlns:a16="http://schemas.microsoft.com/office/drawing/2014/main" id="{927013C1-D1BE-453C-2494-DCD12CED2848}"/>
               </a:ext>
             </a:extLst>
           </p:cNvPr>
@@ -21688,8 +19368,8 @@
         </p:nvSpPr>
         <p:spPr>
           <a:xfrm>
-            <a:off x="8276455" y="32357"/>
-            <a:ext cx="527709" cy="461665"/>
+            <a:off x="186596" y="605214"/>
+            <a:ext cx="3539752" cy="253916"/>
           </a:xfrm>
           <a:prstGeom prst="rect">
             <a:avLst/>
@@ -21703,12 +19383,580 @@
           <a:lstStyle/>
           <a:p>
             <a:r>
-              <a:rPr lang="en-GB" sz="2400" b="1" dirty="0">
-                <a:solidFill>
-                  <a:srgbClr val="FF0000"/>
-                </a:solidFill>
+              <a:rPr lang="en-GB" sz="1050" b="1" dirty="0">
+                <a:solidFill>
+                  <a:srgbClr val="1C3D74"/>
+                </a:solidFill>
+                <a:latin typeface="Arial" panose="020B0604020202020204" pitchFamily="34" charset="0"/>
+                <a:ea typeface="+mn-ea"/>
+                <a:cs typeface="Arial" panose="020B0604020202020204" pitchFamily="34" charset="0"/>
               </a:rPr>
-              <a:t>kk</a:t>
+              <a:t>https://github.com/Bob-623/Search-Engine/tree/main</a:t>
+            </a:r>
+            <a:endParaRPr lang="en-GB" sz="1050" dirty="0"/>
+          </a:p>
+        </p:txBody>
+      </p:sp>
+      <p:sp>
+        <p:nvSpPr>
+          <p:cNvPr id="23" name="TextBox 22">
+            <a:extLst>
+              <a:ext uri="{FF2B5EF4-FFF2-40B4-BE49-F238E27FC236}">
+                <a16:creationId xmlns:a16="http://schemas.microsoft.com/office/drawing/2014/main" id="{6DE00EDD-C6A4-2ECB-2C95-3C72BEAD69A5}"/>
+              </a:ext>
+            </a:extLst>
+          </p:cNvPr>
+          <p:cNvSpPr txBox="1"/>
+          <p:nvPr/>
+        </p:nvSpPr>
+        <p:spPr>
+          <a:xfrm>
+            <a:off x="4120676" y="1087717"/>
+            <a:ext cx="4043140" cy="261610"/>
+          </a:xfrm>
+          <a:prstGeom prst="rect">
+            <a:avLst/>
+          </a:prstGeom>
+          <a:noFill/>
+          <a:ln>
+            <a:noFill/>
+          </a:ln>
+        </p:spPr>
+        <p:txBody>
+          <a:bodyPr wrap="square" rtlCol="0">
+            <a:spAutoFit/>
+          </a:bodyPr>
+          <a:lstStyle/>
+          <a:p>
+            <a:r>
+              <a:rPr lang="en-US" sz="1100" i="1" dirty="0"/>
+              <a:t>Pre-processing code runs on Reuter_test.csv file</a:t>
+            </a:r>
+            <a:endParaRPr lang="en-GB" sz="1100" i="1" dirty="0"/>
+          </a:p>
+        </p:txBody>
+      </p:sp>
+      <p:sp>
+        <p:nvSpPr>
+          <p:cNvPr id="24" name="Rectangle 23">
+            <a:extLst>
+              <a:ext uri="{FF2B5EF4-FFF2-40B4-BE49-F238E27FC236}">
+                <a16:creationId xmlns:a16="http://schemas.microsoft.com/office/drawing/2014/main" id="{AD2C6E5A-0D6E-1B0D-2C38-A14DBEAC03D3}"/>
+              </a:ext>
+            </a:extLst>
+          </p:cNvPr>
+          <p:cNvSpPr/>
+          <p:nvPr/>
+        </p:nvSpPr>
+        <p:spPr>
+          <a:xfrm>
+            <a:off x="186596" y="859130"/>
+            <a:ext cx="7977220" cy="897307"/>
+          </a:xfrm>
+          <a:prstGeom prst="rect">
+            <a:avLst/>
+          </a:prstGeom>
+          <a:noFill/>
+          <a:ln w="38100">
+            <a:solidFill>
+              <a:schemeClr val="tx1">
+                <a:lumMod val="60000"/>
+                <a:lumOff val="40000"/>
+              </a:schemeClr>
+            </a:solidFill>
+          </a:ln>
+        </p:spPr>
+        <p:style>
+          <a:lnRef idx="2">
+            <a:schemeClr val="accent1">
+              <a:shade val="15000"/>
+            </a:schemeClr>
+          </a:lnRef>
+          <a:fillRef idx="1">
+            <a:schemeClr val="accent1"/>
+          </a:fillRef>
+          <a:effectRef idx="0">
+            <a:schemeClr val="accent1"/>
+          </a:effectRef>
+          <a:fontRef idx="minor">
+            <a:schemeClr val="lt1"/>
+          </a:fontRef>
+        </p:style>
+        <p:txBody>
+          <a:bodyPr rtlCol="0" anchor="ctr"/>
+          <a:lstStyle/>
+          <a:p>
+            <a:pPr algn="ctr"/>
+            <a:endParaRPr lang="en-GB"/>
+          </a:p>
+        </p:txBody>
+      </p:sp>
+      <p:sp>
+        <p:nvSpPr>
+          <p:cNvPr id="25" name="TextBox 24">
+            <a:extLst>
+              <a:ext uri="{FF2B5EF4-FFF2-40B4-BE49-F238E27FC236}">
+                <a16:creationId xmlns:a16="http://schemas.microsoft.com/office/drawing/2014/main" id="{E2257297-345A-E639-102C-FDBE3255D78B}"/>
+              </a:ext>
+            </a:extLst>
+          </p:cNvPr>
+          <p:cNvSpPr txBox="1"/>
+          <p:nvPr/>
+        </p:nvSpPr>
+        <p:spPr>
+          <a:xfrm>
+            <a:off x="4120676" y="1904763"/>
+            <a:ext cx="4043140" cy="261610"/>
+          </a:xfrm>
+          <a:prstGeom prst="rect">
+            <a:avLst/>
+          </a:prstGeom>
+          <a:noFill/>
+          <a:ln>
+            <a:noFill/>
+          </a:ln>
+        </p:spPr>
+        <p:txBody>
+          <a:bodyPr wrap="square" rtlCol="0">
+            <a:spAutoFit/>
+          </a:bodyPr>
+          <a:lstStyle/>
+          <a:p>
+            <a:r>
+              <a:rPr lang="en-US" sz="1100" i="1" dirty="0"/>
+              <a:t>Indexer code (runs on cleaned_dataset.csv)</a:t>
+            </a:r>
+            <a:endParaRPr lang="en-GB" sz="1100" i="1" dirty="0"/>
+          </a:p>
+        </p:txBody>
+      </p:sp>
+      <p:sp>
+        <p:nvSpPr>
+          <p:cNvPr id="26" name="Rectangle 25">
+            <a:extLst>
+              <a:ext uri="{FF2B5EF4-FFF2-40B4-BE49-F238E27FC236}">
+                <a16:creationId xmlns:a16="http://schemas.microsoft.com/office/drawing/2014/main" id="{A5ACB4D8-6340-A4F7-E6C7-2CB59589B0CC}"/>
+              </a:ext>
+            </a:extLst>
+          </p:cNvPr>
+          <p:cNvSpPr/>
+          <p:nvPr/>
+        </p:nvSpPr>
+        <p:spPr>
+          <a:xfrm>
+            <a:off x="186596" y="1740638"/>
+            <a:ext cx="7977220" cy="612533"/>
+          </a:xfrm>
+          <a:prstGeom prst="rect">
+            <a:avLst/>
+          </a:prstGeom>
+          <a:noFill/>
+          <a:ln w="38100">
+            <a:solidFill>
+              <a:schemeClr val="tx1">
+                <a:lumMod val="60000"/>
+                <a:lumOff val="40000"/>
+              </a:schemeClr>
+            </a:solidFill>
+          </a:ln>
+        </p:spPr>
+        <p:style>
+          <a:lnRef idx="2">
+            <a:schemeClr val="accent1">
+              <a:shade val="15000"/>
+            </a:schemeClr>
+          </a:lnRef>
+          <a:fillRef idx="1">
+            <a:schemeClr val="accent1"/>
+          </a:fillRef>
+          <a:effectRef idx="0">
+            <a:schemeClr val="accent1"/>
+          </a:effectRef>
+          <a:fontRef idx="minor">
+            <a:schemeClr val="lt1"/>
+          </a:fontRef>
+        </p:style>
+        <p:txBody>
+          <a:bodyPr rtlCol="0" anchor="ctr"/>
+          <a:lstStyle/>
+          <a:p>
+            <a:pPr algn="ctr"/>
+            <a:endParaRPr lang="en-GB"/>
+          </a:p>
+        </p:txBody>
+      </p:sp>
+      <p:sp>
+        <p:nvSpPr>
+          <p:cNvPr id="27" name="TextBox 26">
+            <a:extLst>
+              <a:ext uri="{FF2B5EF4-FFF2-40B4-BE49-F238E27FC236}">
+                <a16:creationId xmlns:a16="http://schemas.microsoft.com/office/drawing/2014/main" id="{D3BC259A-9CF5-C232-7C86-AF1527C85225}"/>
+              </a:ext>
+            </a:extLst>
+          </p:cNvPr>
+          <p:cNvSpPr txBox="1"/>
+          <p:nvPr/>
+        </p:nvSpPr>
+        <p:spPr>
+          <a:xfrm>
+            <a:off x="4120676" y="2516026"/>
+            <a:ext cx="4043140" cy="261610"/>
+          </a:xfrm>
+          <a:prstGeom prst="rect">
+            <a:avLst/>
+          </a:prstGeom>
+          <a:noFill/>
+          <a:ln>
+            <a:noFill/>
+          </a:ln>
+        </p:spPr>
+        <p:txBody>
+          <a:bodyPr wrap="square" rtlCol="0">
+            <a:spAutoFit/>
+          </a:bodyPr>
+          <a:lstStyle/>
+          <a:p>
+            <a:r>
+              <a:rPr lang="en-US" sz="1100" i="1" dirty="0"/>
+              <a:t>User interface code (runs on cleaned_dataset.csv)</a:t>
+            </a:r>
+            <a:endParaRPr lang="en-GB" sz="1100" i="1" dirty="0"/>
+          </a:p>
+        </p:txBody>
+      </p:sp>
+      <p:sp>
+        <p:nvSpPr>
+          <p:cNvPr id="28" name="Rectangle 27">
+            <a:extLst>
+              <a:ext uri="{FF2B5EF4-FFF2-40B4-BE49-F238E27FC236}">
+                <a16:creationId xmlns:a16="http://schemas.microsoft.com/office/drawing/2014/main" id="{4621CBA5-8B43-E4B3-D455-6D8B81933619}"/>
+              </a:ext>
+            </a:extLst>
+          </p:cNvPr>
+          <p:cNvSpPr/>
+          <p:nvPr/>
+        </p:nvSpPr>
+        <p:spPr>
+          <a:xfrm>
+            <a:off x="186596" y="2351901"/>
+            <a:ext cx="7977220" cy="612533"/>
+          </a:xfrm>
+          <a:prstGeom prst="rect">
+            <a:avLst/>
+          </a:prstGeom>
+          <a:noFill/>
+          <a:ln w="38100">
+            <a:solidFill>
+              <a:schemeClr val="tx1">
+                <a:lumMod val="60000"/>
+                <a:lumOff val="40000"/>
+              </a:schemeClr>
+            </a:solidFill>
+          </a:ln>
+        </p:spPr>
+        <p:style>
+          <a:lnRef idx="2">
+            <a:schemeClr val="accent1">
+              <a:shade val="15000"/>
+            </a:schemeClr>
+          </a:lnRef>
+          <a:fillRef idx="1">
+            <a:schemeClr val="accent1"/>
+          </a:fillRef>
+          <a:effectRef idx="0">
+            <a:schemeClr val="accent1"/>
+          </a:effectRef>
+          <a:fontRef idx="minor">
+            <a:schemeClr val="lt1"/>
+          </a:fontRef>
+        </p:style>
+        <p:txBody>
+          <a:bodyPr rtlCol="0" anchor="ctr"/>
+          <a:lstStyle/>
+          <a:p>
+            <a:pPr algn="ctr"/>
+            <a:endParaRPr lang="en-GB"/>
+          </a:p>
+        </p:txBody>
+      </p:sp>
+      <p:sp>
+        <p:nvSpPr>
+          <p:cNvPr id="29" name="TextBox 28">
+            <a:extLst>
+              <a:ext uri="{FF2B5EF4-FFF2-40B4-BE49-F238E27FC236}">
+                <a16:creationId xmlns:a16="http://schemas.microsoft.com/office/drawing/2014/main" id="{7EB175B2-DF47-2DC1-AEA4-B197C5F725D2}"/>
+              </a:ext>
+            </a:extLst>
+          </p:cNvPr>
+          <p:cNvSpPr txBox="1"/>
+          <p:nvPr/>
+        </p:nvSpPr>
+        <p:spPr>
+          <a:xfrm>
+            <a:off x="4120676" y="2948700"/>
+            <a:ext cx="4043140" cy="261610"/>
+          </a:xfrm>
+          <a:prstGeom prst="rect">
+            <a:avLst/>
+          </a:prstGeom>
+          <a:noFill/>
+          <a:ln>
+            <a:noFill/>
+          </a:ln>
+        </p:spPr>
+        <p:txBody>
+          <a:bodyPr wrap="square" rtlCol="0">
+            <a:spAutoFit/>
+          </a:bodyPr>
+          <a:lstStyle/>
+          <a:p>
+            <a:r>
+              <a:rPr lang="en-US" sz="1100" i="1" dirty="0"/>
+              <a:t>LLM relevance labelled files per query</a:t>
+            </a:r>
+            <a:endParaRPr lang="en-GB" sz="1100" i="1" dirty="0"/>
+          </a:p>
+        </p:txBody>
+      </p:sp>
+      <p:sp>
+        <p:nvSpPr>
+          <p:cNvPr id="30" name="Rectangle 29">
+            <a:extLst>
+              <a:ext uri="{FF2B5EF4-FFF2-40B4-BE49-F238E27FC236}">
+                <a16:creationId xmlns:a16="http://schemas.microsoft.com/office/drawing/2014/main" id="{E41065C3-1CE9-9801-07C6-43367A194815}"/>
+              </a:ext>
+            </a:extLst>
+          </p:cNvPr>
+          <p:cNvSpPr/>
+          <p:nvPr/>
+        </p:nvSpPr>
+        <p:spPr>
+          <a:xfrm>
+            <a:off x="186596" y="2963165"/>
+            <a:ext cx="7977220" cy="261610"/>
+          </a:xfrm>
+          <a:prstGeom prst="rect">
+            <a:avLst/>
+          </a:prstGeom>
+          <a:noFill/>
+          <a:ln w="38100">
+            <a:solidFill>
+              <a:schemeClr val="tx1">
+                <a:lumMod val="60000"/>
+                <a:lumOff val="40000"/>
+              </a:schemeClr>
+            </a:solidFill>
+          </a:ln>
+        </p:spPr>
+        <p:style>
+          <a:lnRef idx="2">
+            <a:schemeClr val="accent1">
+              <a:shade val="15000"/>
+            </a:schemeClr>
+          </a:lnRef>
+          <a:fillRef idx="1">
+            <a:schemeClr val="accent1"/>
+          </a:fillRef>
+          <a:effectRef idx="0">
+            <a:schemeClr val="accent1"/>
+          </a:effectRef>
+          <a:fontRef idx="minor">
+            <a:schemeClr val="lt1"/>
+          </a:fontRef>
+        </p:style>
+        <p:txBody>
+          <a:bodyPr rtlCol="0" anchor="ctr"/>
+          <a:lstStyle/>
+          <a:p>
+            <a:pPr algn="ctr"/>
+            <a:endParaRPr lang="en-GB"/>
+          </a:p>
+        </p:txBody>
+      </p:sp>
+      <p:sp>
+        <p:nvSpPr>
+          <p:cNvPr id="31" name="TextBox 30">
+            <a:extLst>
+              <a:ext uri="{FF2B5EF4-FFF2-40B4-BE49-F238E27FC236}">
+                <a16:creationId xmlns:a16="http://schemas.microsoft.com/office/drawing/2014/main" id="{1DA67EF8-BF54-50A3-CDE9-6741B6156675}"/>
+              </a:ext>
+            </a:extLst>
+          </p:cNvPr>
+          <p:cNvSpPr txBox="1"/>
+          <p:nvPr/>
+        </p:nvSpPr>
+        <p:spPr>
+          <a:xfrm>
+            <a:off x="4120676" y="3329214"/>
+            <a:ext cx="4043140" cy="430887"/>
+          </a:xfrm>
+          <a:prstGeom prst="rect">
+            <a:avLst/>
+          </a:prstGeom>
+          <a:noFill/>
+          <a:ln>
+            <a:noFill/>
+          </a:ln>
+        </p:spPr>
+        <p:txBody>
+          <a:bodyPr wrap="square" rtlCol="0">
+            <a:spAutoFit/>
+          </a:bodyPr>
+          <a:lstStyle/>
+          <a:p>
+            <a:r>
+              <a:rPr lang="en-US" sz="1100" i="1" dirty="0"/>
+              <a:t>Consolidated notebook runs BM25 &amp; BM25F across multiple queries and compares </a:t>
+            </a:r>
+            <a:r>
+              <a:rPr lang="en-US" sz="1100" i="1" dirty="0" err="1"/>
+              <a:t>nDCG</a:t>
+            </a:r>
+            <a:r>
+              <a:rPr lang="en-US" sz="1100" i="1" dirty="0"/>
+              <a:t> performance. Runs on:</a:t>
+            </a:r>
+          </a:p>
+        </p:txBody>
+      </p:sp>
+      <p:sp>
+        <p:nvSpPr>
+          <p:cNvPr id="32" name="Rectangle 31">
+            <a:extLst>
+              <a:ext uri="{FF2B5EF4-FFF2-40B4-BE49-F238E27FC236}">
+                <a16:creationId xmlns:a16="http://schemas.microsoft.com/office/drawing/2014/main" id="{666653B8-5352-8847-4692-90B84492C9D6}"/>
+              </a:ext>
+            </a:extLst>
+          </p:cNvPr>
+          <p:cNvSpPr/>
+          <p:nvPr/>
+        </p:nvSpPr>
+        <p:spPr>
+          <a:xfrm>
+            <a:off x="186596" y="3239240"/>
+            <a:ext cx="7977220" cy="1123676"/>
+          </a:xfrm>
+          <a:prstGeom prst="rect">
+            <a:avLst/>
+          </a:prstGeom>
+          <a:noFill/>
+          <a:ln w="38100">
+            <a:solidFill>
+              <a:srgbClr val="FF0000"/>
+            </a:solidFill>
+            <a:prstDash val="solid"/>
+          </a:ln>
+        </p:spPr>
+        <p:style>
+          <a:lnRef idx="2">
+            <a:schemeClr val="accent1">
+              <a:shade val="15000"/>
+            </a:schemeClr>
+          </a:lnRef>
+          <a:fillRef idx="1">
+            <a:schemeClr val="accent1"/>
+          </a:fillRef>
+          <a:effectRef idx="0">
+            <a:schemeClr val="accent1"/>
+          </a:effectRef>
+          <a:fontRef idx="minor">
+            <a:schemeClr val="lt1"/>
+          </a:fontRef>
+        </p:style>
+        <p:txBody>
+          <a:bodyPr rtlCol="0" anchor="ctr"/>
+          <a:lstStyle/>
+          <a:p>
+            <a:pPr algn="ctr"/>
+            <a:endParaRPr lang="en-GB"/>
+          </a:p>
+        </p:txBody>
+      </p:sp>
+      <p:sp>
+        <p:nvSpPr>
+          <p:cNvPr id="33" name="TextBox 32">
+            <a:extLst>
+              <a:ext uri="{FF2B5EF4-FFF2-40B4-BE49-F238E27FC236}">
+                <a16:creationId xmlns:a16="http://schemas.microsoft.com/office/drawing/2014/main" id="{5428AEE8-83B3-2C96-0692-B058A4D544C2}"/>
+              </a:ext>
+            </a:extLst>
+          </p:cNvPr>
+          <p:cNvSpPr txBox="1"/>
+          <p:nvPr/>
+        </p:nvSpPr>
+        <p:spPr>
+          <a:xfrm>
+            <a:off x="4120676" y="3798201"/>
+            <a:ext cx="4043139" cy="261610"/>
+          </a:xfrm>
+          <a:prstGeom prst="rect">
+            <a:avLst/>
+          </a:prstGeom>
+          <a:noFill/>
+          <a:ln>
+            <a:noFill/>
+          </a:ln>
+        </p:spPr>
+        <p:txBody>
+          <a:bodyPr wrap="square" rtlCol="0">
+            <a:spAutoFit/>
+          </a:bodyPr>
+          <a:lstStyle/>
+          <a:p>
+            <a:pPr marL="171450" indent="-171450">
+              <a:buFont typeface="Arial" panose="020B0604020202020204" pitchFamily="34" charset="0"/>
+              <a:buChar char="•"/>
+            </a:pPr>
+            <a:r>
+              <a:rPr lang="en-US" sz="1100" i="1" dirty="0"/>
+              <a:t>BM25 &amp; BM25F indexer runs on cleaned_dataset.csv</a:t>
+            </a:r>
+          </a:p>
+        </p:txBody>
+      </p:sp>
+      <p:sp>
+        <p:nvSpPr>
+          <p:cNvPr id="34" name="TextBox 33">
+            <a:extLst>
+              <a:ext uri="{FF2B5EF4-FFF2-40B4-BE49-F238E27FC236}">
+                <a16:creationId xmlns:a16="http://schemas.microsoft.com/office/drawing/2014/main" id="{C8B42091-418E-1186-987D-500F9F30F86A}"/>
+              </a:ext>
+            </a:extLst>
+          </p:cNvPr>
+          <p:cNvSpPr txBox="1"/>
+          <p:nvPr/>
+        </p:nvSpPr>
+        <p:spPr>
+          <a:xfrm>
+            <a:off x="4120676" y="4092530"/>
+            <a:ext cx="4043139" cy="261610"/>
+          </a:xfrm>
+          <a:prstGeom prst="rect">
+            <a:avLst/>
+          </a:prstGeom>
+          <a:noFill/>
+          <a:ln>
+            <a:noFill/>
+          </a:ln>
+        </p:spPr>
+        <p:txBody>
+          <a:bodyPr wrap="square" rtlCol="0">
+            <a:spAutoFit/>
+          </a:bodyPr>
+          <a:lstStyle>
+            <a:defPPr>
+              <a:defRPr lang="en-US"/>
+            </a:defPPr>
+            <a:lvl1pPr marL="171450" indent="-171450">
+              <a:buFont typeface="Arial" panose="020B0604020202020204" pitchFamily="34" charset="0"/>
+              <a:buChar char="•"/>
+              <a:defRPr sz="1100" i="1"/>
+            </a:lvl1pPr>
+          </a:lstStyle>
+          <a:p>
+            <a:r>
+              <a:rPr lang="en-US" dirty="0"/>
+              <a:t>Consolidated relevance scores for all query article pairs</a:t>
             </a:r>
           </a:p>
         </p:txBody>
@@ -21716,7 +19964,7 @@
     </p:spTree>
     <p:extLst>
       <p:ext uri="{BB962C8B-B14F-4D97-AF65-F5344CB8AC3E}">
-        <p14:creationId xmlns:p14="http://schemas.microsoft.com/office/powerpoint/2010/main" val="517412479"/>
+        <p14:creationId xmlns:p14="http://schemas.microsoft.com/office/powerpoint/2010/main" val="4106551304"/>
       </p:ext>
     </p:extLst>
   </p:cSld>
@@ -23041,7 +21289,11 @@
 
 <file path=customXml/item1.xml><?xml version="1.0" encoding="utf-8"?>
 <?mso-contentType ?>
-<SharedContentType xmlns="Microsoft.SharePoint.Taxonomy.ContentTypeSync" SourceId="9c18f9b8-5ae4-4f0b-a238-a922c51e2dda" ContentTypeId="0x0101005EA864BF41DF8A41860E925F5B29BCF5" PreviousValue="false"/>
+<FormTemplates xmlns="http://schemas.microsoft.com/sharepoint/v3/contenttype/forms">
+  <Display>DocumentLibraryForm</Display>
+  <Edit>DocumentLibraryForm</Edit>
+  <New>DocumentLibraryForm</New>
+</FormTemplates>
 </file>
 
 <file path=customXml/item2.xml><?xml version="1.0" encoding="utf-8"?>
@@ -23416,17 +21668,13 @@
 
 <file path=customXml/item3.xml><?xml version="1.0" encoding="utf-8"?>
 <?mso-contentType ?>
-<FormTemplates xmlns="http://schemas.microsoft.com/sharepoint/v3/contenttype/forms">
-  <Display>DocumentLibraryForm</Display>
-  <Edit>DocumentLibraryForm</Edit>
-  <New>DocumentLibraryForm</New>
-</FormTemplates>
+<SharedContentType xmlns="Microsoft.SharePoint.Taxonomy.ContentTypeSync" SourceId="9c18f9b8-5ae4-4f0b-a238-a922c51e2dda" ContentTypeId="0x0101005EA864BF41DF8A41860E925F5B29BCF5" PreviousValue="false"/>
 </file>
 
 <file path=customXml/itemProps1.xml><?xml version="1.0" encoding="utf-8"?>
-<ds:datastoreItem xmlns:ds="http://schemas.openxmlformats.org/officeDocument/2006/customXml" ds:itemID="{E601853E-C107-464C-8076-9AF712BD5586}">
+<ds:datastoreItem xmlns:ds="http://schemas.openxmlformats.org/officeDocument/2006/customXml" ds:itemID="{8069F142-4DA7-4B45-A568-C1DF40445D45}">
   <ds:schemaRefs>
-    <ds:schemaRef ds:uri="Microsoft.SharePoint.Taxonomy.ContentTypeSync"/>
+    <ds:schemaRef ds:uri="http://schemas.microsoft.com/sharepoint/v3/contenttype/forms"/>
   </ds:schemaRefs>
 </ds:datastoreItem>
 </file>
@@ -23453,9 +21701,9 @@
 </file>
 
 <file path=customXml/itemProps3.xml><?xml version="1.0" encoding="utf-8"?>
-<ds:datastoreItem xmlns:ds="http://schemas.openxmlformats.org/officeDocument/2006/customXml" ds:itemID="{8069F142-4DA7-4B45-A568-C1DF40445D45}">
+<ds:datastoreItem xmlns:ds="http://schemas.openxmlformats.org/officeDocument/2006/customXml" ds:itemID="{E601853E-C107-464C-8076-9AF712BD5586}">
   <ds:schemaRefs>
-    <ds:schemaRef ds:uri="http://schemas.microsoft.com/sharepoint/v3/contenttype/forms"/>
+    <ds:schemaRef ds:uri="Microsoft.SharePoint.Taxonomy.ContentTypeSync"/>
   </ds:schemaRefs>
 </ds:datastoreItem>
 </file>